--- a/Presentatie-project-IoT-using-MQTT.pptx
+++ b/Presentatie-project-IoT-using-MQTT.pptx
@@ -5,7 +5,7 @@
     <p:sldMasterId id="2147483648" r:id="rId1"/>
   </p:sldMasterIdLst>
   <p:notesMasterIdLst>
-    <p:notesMasterId r:id="rId16"/>
+    <p:notesMasterId r:id="rId22"/>
   </p:notesMasterIdLst>
   <p:sldIdLst>
     <p:sldId id="256" r:id="rId2"/>
@@ -17,16 +17,22 @@
     <p:sldId id="264" r:id="rId8"/>
     <p:sldId id="278" r:id="rId9"/>
     <p:sldId id="281" r:id="rId10"/>
-    <p:sldId id="282" r:id="rId11"/>
-    <p:sldId id="279" r:id="rId12"/>
-    <p:sldId id="280" r:id="rId13"/>
-    <p:sldId id="283" r:id="rId14"/>
-    <p:sldId id="284" r:id="rId15"/>
+    <p:sldId id="286" r:id="rId11"/>
+    <p:sldId id="285" r:id="rId12"/>
+    <p:sldId id="287" r:id="rId13"/>
+    <p:sldId id="288" r:id="rId14"/>
+    <p:sldId id="289" r:id="rId15"/>
+    <p:sldId id="282" r:id="rId16"/>
+    <p:sldId id="279" r:id="rId17"/>
+    <p:sldId id="280" r:id="rId18"/>
+    <p:sldId id="283" r:id="rId19"/>
+    <p:sldId id="290" r:id="rId20"/>
+    <p:sldId id="284" r:id="rId21"/>
   </p:sldIdLst>
   <p:sldSz cx="9144000" cy="6858000" type="screen4x3"/>
   <p:notesSz cx="6858000" cy="9144000"/>
   <p:custDataLst>
-    <p:tags r:id="rId17"/>
+    <p:tags r:id="rId23"/>
   </p:custDataLst>
   <p:defaultTextStyle>
     <a:defPPr>
@@ -264,7 +270,7 @@
             <a:fld id="{65E2D406-399C-3346-9C8B-763BA46ECBC9}" type="datetimeFigureOut">
               <a:rPr lang="nl-NL"/>
               <a:pPr/>
-              <a:t>11-12-2019</a:t>
+              <a:t>20-12-2019</a:t>
             </a:fld>
             <a:endParaRPr lang="nl-NL"/>
           </a:p>
@@ -718,7 +724,7 @@
           <a:p>
             <a:r>
               <a:rPr lang="nl-BE" dirty="0"/>
-              <a:t>Zeggen dat we Spring gebruiken voor een REST-API, deze maakt altijd gebruik van Java en het is makkelijk om met de database te communiceren. www.spring.io</a:t>
+              <a:t>Uitleggen hoe code we de sensoren uitlezen en dan MQTT protocol gebruiken om door te sturen. (Ge kunt ook nog een slide toevoegen en het in twee delen splitsen)</a:t>
             </a:r>
           </a:p>
         </p:txBody>
@@ -750,7 +756,7 @@
     </p:spTree>
     <p:extLst>
       <p:ext uri="{BB962C8B-B14F-4D97-AF65-F5344CB8AC3E}">
-        <p14:creationId xmlns:p14="http://schemas.microsoft.com/office/powerpoint/2010/main" val="1200257212"/>
+        <p14:creationId xmlns:p14="http://schemas.microsoft.com/office/powerpoint/2010/main" val="2608637251"/>
       </p:ext>
     </p:extLst>
   </p:cSld>
@@ -806,7 +812,7 @@
           <a:p>
             <a:r>
               <a:rPr lang="nl-BE" dirty="0"/>
-              <a:t>Hier uitleggen hoe de Spring code werkt</a:t>
+              <a:t>Uitleggen hoe code we de sensoren uitlezen en dan MQTT protocol gebruiken om door te sturen. (Ge kunt ook nog een slide toevoegen en het in twee delen splitsen)</a:t>
             </a:r>
           </a:p>
         </p:txBody>
@@ -838,7 +844,7 @@
     </p:spTree>
     <p:extLst>
       <p:ext uri="{BB962C8B-B14F-4D97-AF65-F5344CB8AC3E}">
-        <p14:creationId xmlns:p14="http://schemas.microsoft.com/office/powerpoint/2010/main" val="2306291470"/>
+        <p14:creationId xmlns:p14="http://schemas.microsoft.com/office/powerpoint/2010/main" val="3058258884"/>
       </p:ext>
     </p:extLst>
   </p:cSld>
@@ -894,7 +900,7 @@
           <a:p>
             <a:r>
               <a:rPr lang="nl-BE" dirty="0"/>
-              <a:t>Hier uitleggen hoe we met Python data gaan ontvangen en wegschrijven naar de database.</a:t>
+              <a:t>Uitleggen hoe code we de sensoren uitlezen en dan MQTT protocol gebruiken om door te sturen. (Ge kunt ook nog een slide toevoegen en het in twee delen splitsen)</a:t>
             </a:r>
           </a:p>
         </p:txBody>
@@ -926,7 +932,7 @@
     </p:spTree>
     <p:extLst>
       <p:ext uri="{BB962C8B-B14F-4D97-AF65-F5344CB8AC3E}">
-        <p14:creationId xmlns:p14="http://schemas.microsoft.com/office/powerpoint/2010/main" val="3293713493"/>
+        <p14:creationId xmlns:p14="http://schemas.microsoft.com/office/powerpoint/2010/main" val="3896568051"/>
       </p:ext>
     </p:extLst>
   </p:cSld>
@@ -982,7 +988,7 @@
           <a:p>
             <a:r>
               <a:rPr lang="nl-BE" dirty="0"/>
-              <a:t>Even checken bij het publiek of er vragen zijn en dan een demonstratie.</a:t>
+              <a:t>Uitleggen hoe code we de sensoren uitlezen en dan MQTT protocol gebruiken om door te sturen. (Ge kunt ook nog een slide toevoegen en het in twee delen splitsen)</a:t>
             </a:r>
           </a:p>
         </p:txBody>
@@ -1006,6 +1012,565 @@
               <a:rPr lang="nl-NL" smtClean="0"/>
               <a:pPr/>
               <a:t>14</a:t>
+            </a:fld>
+            <a:endParaRPr lang="nl-NL"/>
+          </a:p>
+        </p:txBody>
+      </p:sp>
+    </p:spTree>
+    <p:extLst>
+      <p:ext uri="{BB962C8B-B14F-4D97-AF65-F5344CB8AC3E}">
+        <p14:creationId xmlns:p14="http://schemas.microsoft.com/office/powerpoint/2010/main" val="1883551783"/>
+      </p:ext>
+    </p:extLst>
+  </p:cSld>
+  <p:clrMapOvr>
+    <a:masterClrMapping/>
+  </p:clrMapOvr>
+</p:notes>
+</file>
+
+<file path=ppt/notesSlides/notesSlide14.xml><?xml version="1.0" encoding="utf-8"?>
+<p:notes xmlns:a="http://schemas.openxmlformats.org/drawingml/2006/main" xmlns:r="http://schemas.openxmlformats.org/officeDocument/2006/relationships" xmlns:p="http://schemas.openxmlformats.org/presentationml/2006/main">
+  <p:cSld>
+    <p:spTree>
+      <p:nvGrpSpPr>
+        <p:cNvPr id="1" name=""/>
+        <p:cNvGrpSpPr/>
+        <p:nvPr/>
+      </p:nvGrpSpPr>
+      <p:grpSpPr>
+        <a:xfrm>
+          <a:off x="0" y="0"/>
+          <a:ext cx="0" cy="0"/>
+          <a:chOff x="0" y="0"/>
+          <a:chExt cx="0" cy="0"/>
+        </a:xfrm>
+      </p:grpSpPr>
+      <p:sp>
+        <p:nvSpPr>
+          <p:cNvPr id="2" name="Tijdelijke aanduiding voor dia-afbeelding 1"/>
+          <p:cNvSpPr>
+            <a:spLocks noGrp="1" noRot="1" noChangeAspect="1"/>
+          </p:cNvSpPr>
+          <p:nvPr>
+            <p:ph type="sldImg"/>
+          </p:nvPr>
+        </p:nvSpPr>
+        <p:spPr/>
+      </p:sp>
+      <p:sp>
+        <p:nvSpPr>
+          <p:cNvPr id="3" name="Tijdelijke aanduiding voor notities 2"/>
+          <p:cNvSpPr>
+            <a:spLocks noGrp="1"/>
+          </p:cNvSpPr>
+          <p:nvPr>
+            <p:ph type="body" idx="1"/>
+          </p:nvPr>
+        </p:nvSpPr>
+        <p:spPr/>
+        <p:txBody>
+          <a:bodyPr/>
+          <a:lstStyle/>
+          <a:p>
+            <a:r>
+              <a:rPr lang="nl-BE" dirty="0"/>
+              <a:t>Voor de opslag van de data op de </a:t>
+            </a:r>
+            <a:r>
+              <a:rPr lang="nl-BE" dirty="0" err="1"/>
+              <a:t>raspberry</a:t>
+            </a:r>
+            <a:r>
+              <a:rPr lang="nl-BE" dirty="0"/>
+              <a:t> pi gebruiken we </a:t>
+            </a:r>
+            <a:r>
+              <a:rPr lang="nl-BE" dirty="0" err="1"/>
+              <a:t>MySQL</a:t>
+            </a:r>
+            <a:r>
+              <a:rPr lang="nl-BE" dirty="0"/>
+              <a:t> database. </a:t>
+            </a:r>
+          </a:p>
+          <a:p>
+            <a:r>
+              <a:rPr lang="nl-BE" dirty="0"/>
+              <a:t>Kolommen uitleggen</a:t>
+            </a:r>
+          </a:p>
+          <a:p>
+            <a:endParaRPr lang="nl-BE" dirty="0"/>
+          </a:p>
+          <a:p>
+            <a:r>
+              <a:rPr lang="nl-BE" dirty="0"/>
+              <a:t>www.mysql.com</a:t>
+            </a:r>
+          </a:p>
+        </p:txBody>
+      </p:sp>
+      <p:sp>
+        <p:nvSpPr>
+          <p:cNvPr id="4" name="Tijdelijke aanduiding voor dianummer 3"/>
+          <p:cNvSpPr>
+            <a:spLocks noGrp="1"/>
+          </p:cNvSpPr>
+          <p:nvPr>
+            <p:ph type="sldNum" sz="quarter" idx="5"/>
+          </p:nvPr>
+        </p:nvSpPr>
+        <p:spPr/>
+        <p:txBody>
+          <a:bodyPr/>
+          <a:lstStyle/>
+          <a:p>
+            <a:fld id="{59D92BDC-DD76-4E43-8785-822BA8773037}" type="slidenum">
+              <a:rPr lang="nl-NL" smtClean="0"/>
+              <a:pPr/>
+              <a:t>15</a:t>
+            </a:fld>
+            <a:endParaRPr lang="nl-NL"/>
+          </a:p>
+        </p:txBody>
+      </p:sp>
+    </p:spTree>
+    <p:extLst>
+      <p:ext uri="{BB962C8B-B14F-4D97-AF65-F5344CB8AC3E}">
+        <p14:creationId xmlns:p14="http://schemas.microsoft.com/office/powerpoint/2010/main" val="3516191925"/>
+      </p:ext>
+    </p:extLst>
+  </p:cSld>
+  <p:clrMapOvr>
+    <a:masterClrMapping/>
+  </p:clrMapOvr>
+</p:notes>
+</file>
+
+<file path=ppt/notesSlides/notesSlide15.xml><?xml version="1.0" encoding="utf-8"?>
+<p:notes xmlns:a="http://schemas.openxmlformats.org/drawingml/2006/main" xmlns:r="http://schemas.openxmlformats.org/officeDocument/2006/relationships" xmlns:p="http://schemas.openxmlformats.org/presentationml/2006/main">
+  <p:cSld>
+    <p:spTree>
+      <p:nvGrpSpPr>
+        <p:cNvPr id="1" name=""/>
+        <p:cNvGrpSpPr/>
+        <p:nvPr/>
+      </p:nvGrpSpPr>
+      <p:grpSpPr>
+        <a:xfrm>
+          <a:off x="0" y="0"/>
+          <a:ext cx="0" cy="0"/>
+          <a:chOff x="0" y="0"/>
+          <a:chExt cx="0" cy="0"/>
+        </a:xfrm>
+      </p:grpSpPr>
+      <p:sp>
+        <p:nvSpPr>
+          <p:cNvPr id="2" name="Tijdelijke aanduiding voor dia-afbeelding 1"/>
+          <p:cNvSpPr>
+            <a:spLocks noGrp="1" noRot="1" noChangeAspect="1"/>
+          </p:cNvSpPr>
+          <p:nvPr>
+            <p:ph type="sldImg"/>
+          </p:nvPr>
+        </p:nvSpPr>
+        <p:spPr/>
+      </p:sp>
+      <p:sp>
+        <p:nvSpPr>
+          <p:cNvPr id="3" name="Tijdelijke aanduiding voor notities 2"/>
+          <p:cNvSpPr>
+            <a:spLocks noGrp="1"/>
+          </p:cNvSpPr>
+          <p:nvPr>
+            <p:ph type="body" idx="1"/>
+          </p:nvPr>
+        </p:nvSpPr>
+        <p:spPr/>
+        <p:txBody>
+          <a:bodyPr/>
+          <a:lstStyle/>
+          <a:p>
+            <a:r>
+              <a:rPr lang="nl-BE" dirty="0"/>
+              <a:t>Zeggen dat we Spring gebruiken voor een REST-API, deze maakt altijd gebruik van Java en het is makkelijk om met de database te communiceren. www.spring.io</a:t>
+            </a:r>
+          </a:p>
+        </p:txBody>
+      </p:sp>
+      <p:sp>
+        <p:nvSpPr>
+          <p:cNvPr id="4" name="Tijdelijke aanduiding voor dianummer 3"/>
+          <p:cNvSpPr>
+            <a:spLocks noGrp="1"/>
+          </p:cNvSpPr>
+          <p:nvPr>
+            <p:ph type="sldNum" sz="quarter" idx="5"/>
+          </p:nvPr>
+        </p:nvSpPr>
+        <p:spPr/>
+        <p:txBody>
+          <a:bodyPr/>
+          <a:lstStyle/>
+          <a:p>
+            <a:fld id="{59D92BDC-DD76-4E43-8785-822BA8773037}" type="slidenum">
+              <a:rPr lang="nl-NL" smtClean="0"/>
+              <a:pPr/>
+              <a:t>16</a:t>
+            </a:fld>
+            <a:endParaRPr lang="nl-NL"/>
+          </a:p>
+        </p:txBody>
+      </p:sp>
+    </p:spTree>
+    <p:extLst>
+      <p:ext uri="{BB962C8B-B14F-4D97-AF65-F5344CB8AC3E}">
+        <p14:creationId xmlns:p14="http://schemas.microsoft.com/office/powerpoint/2010/main" val="1200257212"/>
+      </p:ext>
+    </p:extLst>
+  </p:cSld>
+  <p:clrMapOvr>
+    <a:masterClrMapping/>
+  </p:clrMapOvr>
+</p:notes>
+</file>
+
+<file path=ppt/notesSlides/notesSlide16.xml><?xml version="1.0" encoding="utf-8"?>
+<p:notes xmlns:a="http://schemas.openxmlformats.org/drawingml/2006/main" xmlns:r="http://schemas.openxmlformats.org/officeDocument/2006/relationships" xmlns:p="http://schemas.openxmlformats.org/presentationml/2006/main">
+  <p:cSld>
+    <p:spTree>
+      <p:nvGrpSpPr>
+        <p:cNvPr id="1" name=""/>
+        <p:cNvGrpSpPr/>
+        <p:nvPr/>
+      </p:nvGrpSpPr>
+      <p:grpSpPr>
+        <a:xfrm>
+          <a:off x="0" y="0"/>
+          <a:ext cx="0" cy="0"/>
+          <a:chOff x="0" y="0"/>
+          <a:chExt cx="0" cy="0"/>
+        </a:xfrm>
+      </p:grpSpPr>
+      <p:sp>
+        <p:nvSpPr>
+          <p:cNvPr id="2" name="Tijdelijke aanduiding voor dia-afbeelding 1"/>
+          <p:cNvSpPr>
+            <a:spLocks noGrp="1" noRot="1" noChangeAspect="1"/>
+          </p:cNvSpPr>
+          <p:nvPr>
+            <p:ph type="sldImg"/>
+          </p:nvPr>
+        </p:nvSpPr>
+        <p:spPr/>
+      </p:sp>
+      <p:sp>
+        <p:nvSpPr>
+          <p:cNvPr id="3" name="Tijdelijke aanduiding voor notities 2"/>
+          <p:cNvSpPr>
+            <a:spLocks noGrp="1"/>
+          </p:cNvSpPr>
+          <p:nvPr>
+            <p:ph type="body" idx="1"/>
+          </p:nvPr>
+        </p:nvSpPr>
+        <p:spPr/>
+        <p:txBody>
+          <a:bodyPr/>
+          <a:lstStyle/>
+          <a:p>
+            <a:r>
+              <a:rPr lang="nl-BE" dirty="0"/>
+              <a:t>Hier uitleggen hoe de Spring code werkt</a:t>
+            </a:r>
+          </a:p>
+        </p:txBody>
+      </p:sp>
+      <p:sp>
+        <p:nvSpPr>
+          <p:cNvPr id="4" name="Tijdelijke aanduiding voor dianummer 3"/>
+          <p:cNvSpPr>
+            <a:spLocks noGrp="1"/>
+          </p:cNvSpPr>
+          <p:nvPr>
+            <p:ph type="sldNum" sz="quarter" idx="5"/>
+          </p:nvPr>
+        </p:nvSpPr>
+        <p:spPr/>
+        <p:txBody>
+          <a:bodyPr/>
+          <a:lstStyle/>
+          <a:p>
+            <a:fld id="{59D92BDC-DD76-4E43-8785-822BA8773037}" type="slidenum">
+              <a:rPr lang="nl-NL" smtClean="0"/>
+              <a:pPr/>
+              <a:t>17</a:t>
+            </a:fld>
+            <a:endParaRPr lang="nl-NL"/>
+          </a:p>
+        </p:txBody>
+      </p:sp>
+    </p:spTree>
+    <p:extLst>
+      <p:ext uri="{BB962C8B-B14F-4D97-AF65-F5344CB8AC3E}">
+        <p14:creationId xmlns:p14="http://schemas.microsoft.com/office/powerpoint/2010/main" val="2306291470"/>
+      </p:ext>
+    </p:extLst>
+  </p:cSld>
+  <p:clrMapOvr>
+    <a:masterClrMapping/>
+  </p:clrMapOvr>
+</p:notes>
+</file>
+
+<file path=ppt/notesSlides/notesSlide17.xml><?xml version="1.0" encoding="utf-8"?>
+<p:notes xmlns:a="http://schemas.openxmlformats.org/drawingml/2006/main" xmlns:r="http://schemas.openxmlformats.org/officeDocument/2006/relationships" xmlns:p="http://schemas.openxmlformats.org/presentationml/2006/main">
+  <p:cSld>
+    <p:spTree>
+      <p:nvGrpSpPr>
+        <p:cNvPr id="1" name=""/>
+        <p:cNvGrpSpPr/>
+        <p:nvPr/>
+      </p:nvGrpSpPr>
+      <p:grpSpPr>
+        <a:xfrm>
+          <a:off x="0" y="0"/>
+          <a:ext cx="0" cy="0"/>
+          <a:chOff x="0" y="0"/>
+          <a:chExt cx="0" cy="0"/>
+        </a:xfrm>
+      </p:grpSpPr>
+      <p:sp>
+        <p:nvSpPr>
+          <p:cNvPr id="2" name="Tijdelijke aanduiding voor dia-afbeelding 1"/>
+          <p:cNvSpPr>
+            <a:spLocks noGrp="1" noRot="1" noChangeAspect="1"/>
+          </p:cNvSpPr>
+          <p:nvPr>
+            <p:ph type="sldImg"/>
+          </p:nvPr>
+        </p:nvSpPr>
+        <p:spPr/>
+      </p:sp>
+      <p:sp>
+        <p:nvSpPr>
+          <p:cNvPr id="3" name="Tijdelijke aanduiding voor notities 2"/>
+          <p:cNvSpPr>
+            <a:spLocks noGrp="1"/>
+          </p:cNvSpPr>
+          <p:nvPr>
+            <p:ph type="body" idx="1"/>
+          </p:nvPr>
+        </p:nvSpPr>
+        <p:spPr/>
+        <p:txBody>
+          <a:bodyPr/>
+          <a:lstStyle/>
+          <a:p>
+            <a:r>
+              <a:rPr lang="nl-BE" dirty="0"/>
+              <a:t>Hier uitleggen hoe we met Python data gaan ontvangen en wegschrijven naar de database.</a:t>
+            </a:r>
+          </a:p>
+        </p:txBody>
+      </p:sp>
+      <p:sp>
+        <p:nvSpPr>
+          <p:cNvPr id="4" name="Tijdelijke aanduiding voor dianummer 3"/>
+          <p:cNvSpPr>
+            <a:spLocks noGrp="1"/>
+          </p:cNvSpPr>
+          <p:nvPr>
+            <p:ph type="sldNum" sz="quarter" idx="5"/>
+          </p:nvPr>
+        </p:nvSpPr>
+        <p:spPr/>
+        <p:txBody>
+          <a:bodyPr/>
+          <a:lstStyle/>
+          <a:p>
+            <a:fld id="{59D92BDC-DD76-4E43-8785-822BA8773037}" type="slidenum">
+              <a:rPr lang="nl-NL" smtClean="0"/>
+              <a:pPr/>
+              <a:t>18</a:t>
+            </a:fld>
+            <a:endParaRPr lang="nl-NL"/>
+          </a:p>
+        </p:txBody>
+      </p:sp>
+    </p:spTree>
+    <p:extLst>
+      <p:ext uri="{BB962C8B-B14F-4D97-AF65-F5344CB8AC3E}">
+        <p14:creationId xmlns:p14="http://schemas.microsoft.com/office/powerpoint/2010/main" val="3293713493"/>
+      </p:ext>
+    </p:extLst>
+  </p:cSld>
+  <p:clrMapOvr>
+    <a:masterClrMapping/>
+  </p:clrMapOvr>
+</p:notes>
+</file>
+
+<file path=ppt/notesSlides/notesSlide18.xml><?xml version="1.0" encoding="utf-8"?>
+<p:notes xmlns:a="http://schemas.openxmlformats.org/drawingml/2006/main" xmlns:r="http://schemas.openxmlformats.org/officeDocument/2006/relationships" xmlns:p="http://schemas.openxmlformats.org/presentationml/2006/main">
+  <p:cSld>
+    <p:spTree>
+      <p:nvGrpSpPr>
+        <p:cNvPr id="1" name=""/>
+        <p:cNvGrpSpPr/>
+        <p:nvPr/>
+      </p:nvGrpSpPr>
+      <p:grpSpPr>
+        <a:xfrm>
+          <a:off x="0" y="0"/>
+          <a:ext cx="0" cy="0"/>
+          <a:chOff x="0" y="0"/>
+          <a:chExt cx="0" cy="0"/>
+        </a:xfrm>
+      </p:grpSpPr>
+      <p:sp>
+        <p:nvSpPr>
+          <p:cNvPr id="2" name="Tijdelijke aanduiding voor dia-afbeelding 1"/>
+          <p:cNvSpPr>
+            <a:spLocks noGrp="1" noRot="1" noChangeAspect="1"/>
+          </p:cNvSpPr>
+          <p:nvPr>
+            <p:ph type="sldImg"/>
+          </p:nvPr>
+        </p:nvSpPr>
+        <p:spPr/>
+      </p:sp>
+      <p:sp>
+        <p:nvSpPr>
+          <p:cNvPr id="3" name="Tijdelijke aanduiding voor notities 2"/>
+          <p:cNvSpPr>
+            <a:spLocks noGrp="1"/>
+          </p:cNvSpPr>
+          <p:nvPr>
+            <p:ph type="body" idx="1"/>
+          </p:nvPr>
+        </p:nvSpPr>
+        <p:spPr/>
+        <p:txBody>
+          <a:bodyPr/>
+          <a:lstStyle/>
+          <a:p>
+            <a:r>
+              <a:rPr lang="nl-BE" dirty="0"/>
+              <a:t>Hier uitleggen hoe we met Python data gaan ontvangen en wegschrijven naar de database.</a:t>
+            </a:r>
+          </a:p>
+        </p:txBody>
+      </p:sp>
+      <p:sp>
+        <p:nvSpPr>
+          <p:cNvPr id="4" name="Tijdelijke aanduiding voor dianummer 3"/>
+          <p:cNvSpPr>
+            <a:spLocks noGrp="1"/>
+          </p:cNvSpPr>
+          <p:nvPr>
+            <p:ph type="sldNum" sz="quarter" idx="5"/>
+          </p:nvPr>
+        </p:nvSpPr>
+        <p:spPr/>
+        <p:txBody>
+          <a:bodyPr/>
+          <a:lstStyle/>
+          <a:p>
+            <a:fld id="{59D92BDC-DD76-4E43-8785-822BA8773037}" type="slidenum">
+              <a:rPr lang="nl-NL" smtClean="0"/>
+              <a:pPr/>
+              <a:t>19</a:t>
+            </a:fld>
+            <a:endParaRPr lang="nl-NL"/>
+          </a:p>
+        </p:txBody>
+      </p:sp>
+    </p:spTree>
+    <p:extLst>
+      <p:ext uri="{BB962C8B-B14F-4D97-AF65-F5344CB8AC3E}">
+        <p14:creationId xmlns:p14="http://schemas.microsoft.com/office/powerpoint/2010/main" val="2811733052"/>
+      </p:ext>
+    </p:extLst>
+  </p:cSld>
+  <p:clrMapOvr>
+    <a:masterClrMapping/>
+  </p:clrMapOvr>
+</p:notes>
+</file>
+
+<file path=ppt/notesSlides/notesSlide19.xml><?xml version="1.0" encoding="utf-8"?>
+<p:notes xmlns:a="http://schemas.openxmlformats.org/drawingml/2006/main" xmlns:r="http://schemas.openxmlformats.org/officeDocument/2006/relationships" xmlns:p="http://schemas.openxmlformats.org/presentationml/2006/main">
+  <p:cSld>
+    <p:spTree>
+      <p:nvGrpSpPr>
+        <p:cNvPr id="1" name=""/>
+        <p:cNvGrpSpPr/>
+        <p:nvPr/>
+      </p:nvGrpSpPr>
+      <p:grpSpPr>
+        <a:xfrm>
+          <a:off x="0" y="0"/>
+          <a:ext cx="0" cy="0"/>
+          <a:chOff x="0" y="0"/>
+          <a:chExt cx="0" cy="0"/>
+        </a:xfrm>
+      </p:grpSpPr>
+      <p:sp>
+        <p:nvSpPr>
+          <p:cNvPr id="2" name="Tijdelijke aanduiding voor dia-afbeelding 1"/>
+          <p:cNvSpPr>
+            <a:spLocks noGrp="1" noRot="1" noChangeAspect="1"/>
+          </p:cNvSpPr>
+          <p:nvPr>
+            <p:ph type="sldImg"/>
+          </p:nvPr>
+        </p:nvSpPr>
+        <p:spPr/>
+      </p:sp>
+      <p:sp>
+        <p:nvSpPr>
+          <p:cNvPr id="3" name="Tijdelijke aanduiding voor notities 2"/>
+          <p:cNvSpPr>
+            <a:spLocks noGrp="1"/>
+          </p:cNvSpPr>
+          <p:nvPr>
+            <p:ph type="body" idx="1"/>
+          </p:nvPr>
+        </p:nvSpPr>
+        <p:spPr/>
+        <p:txBody>
+          <a:bodyPr/>
+          <a:lstStyle/>
+          <a:p>
+            <a:r>
+              <a:rPr lang="nl-BE" dirty="0"/>
+              <a:t>Even checken bij het publiek of er vragen zijn en dan een demonstratie.</a:t>
+            </a:r>
+          </a:p>
+        </p:txBody>
+      </p:sp>
+      <p:sp>
+        <p:nvSpPr>
+          <p:cNvPr id="4" name="Tijdelijke aanduiding voor dianummer 3"/>
+          <p:cNvSpPr>
+            <a:spLocks noGrp="1"/>
+          </p:cNvSpPr>
+          <p:nvPr>
+            <p:ph type="sldNum" sz="quarter" idx="5"/>
+          </p:nvPr>
+        </p:nvSpPr>
+        <p:spPr/>
+        <p:txBody>
+          <a:bodyPr/>
+          <a:lstStyle/>
+          <a:p>
+            <a:fld id="{59D92BDC-DD76-4E43-8785-822BA8773037}" type="slidenum">
+              <a:rPr lang="nl-NL" smtClean="0"/>
+              <a:pPr/>
+              <a:t>20</a:t>
             </a:fld>
             <a:endParaRPr lang="nl-NL"/>
           </a:p>
@@ -1736,38 +2301,7 @@
           <a:p>
             <a:r>
               <a:rPr lang="nl-BE" dirty="0"/>
-              <a:t>Voor de opslag van de data op de </a:t>
-            </a:r>
-            <a:r>
-              <a:rPr lang="nl-BE" dirty="0" err="1"/>
-              <a:t>raspberry</a:t>
-            </a:r>
-            <a:r>
-              <a:rPr lang="nl-BE" dirty="0"/>
-              <a:t> pi gebruiken we </a:t>
-            </a:r>
-            <a:r>
-              <a:rPr lang="nl-BE" dirty="0" err="1"/>
-              <a:t>MySQL</a:t>
-            </a:r>
-            <a:r>
-              <a:rPr lang="nl-BE" dirty="0"/>
-              <a:t> database. </a:t>
-            </a:r>
-          </a:p>
-          <a:p>
-            <a:r>
-              <a:rPr lang="nl-BE" dirty="0"/>
-              <a:t>Kolommen uitleggen</a:t>
-            </a:r>
-          </a:p>
-          <a:p>
-            <a:endParaRPr lang="nl-BE" dirty="0"/>
-          </a:p>
-          <a:p>
-            <a:r>
-              <a:rPr lang="nl-BE" dirty="0"/>
-              <a:t>www.mysql.com</a:t>
+              <a:t>Uitleggen hoe code we de sensoren uitlezen en dan MQTT protocol gebruiken om door te sturen. (Ge kunt ook nog een slide toevoegen en het in twee delen splitsen)</a:t>
             </a:r>
           </a:p>
         </p:txBody>
@@ -1799,7 +2333,7 @@
     </p:spTree>
     <p:extLst>
       <p:ext uri="{BB962C8B-B14F-4D97-AF65-F5344CB8AC3E}">
-        <p14:creationId xmlns:p14="http://schemas.microsoft.com/office/powerpoint/2010/main" val="3516191925"/>
+        <p14:creationId xmlns:p14="http://schemas.microsoft.com/office/powerpoint/2010/main" val="465055815"/>
       </p:ext>
     </p:extLst>
   </p:cSld>
@@ -2096,14 +2630,14 @@
           </a:ln>
           <a:extLst>
             <a:ext uri="{909E8E84-426E-40dd-AFC4-6F175D3DCCD1}">
-              <a14:hiddenFill xmlns="" xmlns:a14="http://schemas.microsoft.com/office/drawing/2010/main">
+              <a14:hiddenFill xmlns:a14="http://schemas.microsoft.com/office/drawing/2010/main" xmlns="">
                 <a:solidFill>
                   <a:srgbClr val="FFFFFF"/>
                 </a:solidFill>
               </a14:hiddenFill>
             </a:ext>
             <a:ext uri="{91240B29-F687-4f45-9708-019B960494DF}">
-              <a14:hiddenLine xmlns="" xmlns:a14="http://schemas.microsoft.com/office/drawing/2010/main" w="9525">
+              <a14:hiddenLine xmlns:a14="http://schemas.microsoft.com/office/drawing/2010/main" xmlns="" w="9525">
                 <a:solidFill>
                   <a:srgbClr val="000000"/>
                 </a:solidFill>
@@ -2425,14 +2959,14 @@
           </a:ln>
           <a:extLst>
             <a:ext uri="{909E8E84-426E-40dd-AFC4-6F175D3DCCD1}">
-              <a14:hiddenFill xmlns="" xmlns:a14="http://schemas.microsoft.com/office/drawing/2010/main">
+              <a14:hiddenFill xmlns:a14="http://schemas.microsoft.com/office/drawing/2010/main" xmlns="">
                 <a:solidFill>
                   <a:srgbClr val="FFFFFF"/>
                 </a:solidFill>
               </a14:hiddenFill>
             </a:ext>
             <a:ext uri="{91240B29-F687-4f45-9708-019B960494DF}">
-              <a14:hiddenLine xmlns="" xmlns:a14="http://schemas.microsoft.com/office/drawing/2010/main" w="9525">
+              <a14:hiddenLine xmlns:a14="http://schemas.microsoft.com/office/drawing/2010/main" xmlns="" w="9525">
                 <a:solidFill>
                   <a:srgbClr val="000000"/>
                 </a:solidFill>
@@ -2609,7 +3143,7 @@
             <a:fld id="{B58F3646-39A5-2A41-A585-BC1636027B49}" type="datetime1">
               <a:rPr lang="nl-BE"/>
               <a:pPr/>
-              <a:t>11/12/2019</a:t>
+              <a:t>20/12/2019</a:t>
             </a:fld>
             <a:endParaRPr lang="nl-BE"/>
           </a:p>
@@ -2826,14 +3360,14 @@
           </a:ln>
           <a:extLst>
             <a:ext uri="{909E8E84-426E-40dd-AFC4-6F175D3DCCD1}">
-              <a14:hiddenFill xmlns="" xmlns:a14="http://schemas.microsoft.com/office/drawing/2010/main">
+              <a14:hiddenFill xmlns:a14="http://schemas.microsoft.com/office/drawing/2010/main" xmlns="">
                 <a:solidFill>
                   <a:srgbClr val="FFFFFF"/>
                 </a:solidFill>
               </a14:hiddenFill>
             </a:ext>
             <a:ext uri="{91240B29-F687-4f45-9708-019B960494DF}">
-              <a14:hiddenLine xmlns="" xmlns:a14="http://schemas.microsoft.com/office/drawing/2010/main" w="9525">
+              <a14:hiddenLine xmlns:a14="http://schemas.microsoft.com/office/drawing/2010/main" xmlns="" w="9525">
                 <a:solidFill>
                   <a:srgbClr val="000000"/>
                 </a:solidFill>
@@ -3152,7 +3686,7 @@
             <a:fld id="{B58F3646-39A5-2A41-A585-BC1636027B49}" type="datetime1">
               <a:rPr lang="nl-BE"/>
               <a:pPr/>
-              <a:t>11/12/2019</a:t>
+              <a:t>20/12/2019</a:t>
             </a:fld>
             <a:endParaRPr lang="nl-BE"/>
           </a:p>
@@ -3311,14 +3845,14 @@
           </a:ln>
           <a:extLst>
             <a:ext uri="{909E8E84-426E-40dd-AFC4-6F175D3DCCD1}">
-              <a14:hiddenFill xmlns="" xmlns:a14="http://schemas.microsoft.com/office/drawing/2010/main">
+              <a14:hiddenFill xmlns:a14="http://schemas.microsoft.com/office/drawing/2010/main" xmlns="">
                 <a:solidFill>
                   <a:srgbClr val="FFFFFF"/>
                 </a:solidFill>
               </a14:hiddenFill>
             </a:ext>
             <a:ext uri="{91240B29-F687-4f45-9708-019B960494DF}">
-              <a14:hiddenLine xmlns="" xmlns:a14="http://schemas.microsoft.com/office/drawing/2010/main" w="9525">
+              <a14:hiddenLine xmlns:a14="http://schemas.microsoft.com/office/drawing/2010/main" xmlns="" w="9525">
                 <a:solidFill>
                   <a:srgbClr val="000000"/>
                 </a:solidFill>
@@ -3328,7 +3862,7 @@
               </a14:hiddenLine>
             </a:ext>
             <a:ext uri="{FAA26D3D-D897-4be2-8F04-BA451C77F1D7}">
-              <ma14:placeholderFlag xmlns="" xmlns:ma14="http://schemas.microsoft.com/office/mac/drawingml/2011/main" val="1"/>
+              <ma14:placeholderFlag xmlns:ma14="http://schemas.microsoft.com/office/mac/drawingml/2011/main" xmlns="" val="1"/>
             </a:ext>
           </a:extLst>
         </p:spPr>
@@ -3373,14 +3907,14 @@
           </a:ln>
           <a:extLst>
             <a:ext uri="{909E8E84-426E-40dd-AFC4-6F175D3DCCD1}">
-              <a14:hiddenFill xmlns="" xmlns:a14="http://schemas.microsoft.com/office/drawing/2010/main">
+              <a14:hiddenFill xmlns:a14="http://schemas.microsoft.com/office/drawing/2010/main" xmlns="">
                 <a:solidFill>
                   <a:srgbClr val="FFFFFF"/>
                 </a:solidFill>
               </a14:hiddenFill>
             </a:ext>
             <a:ext uri="{91240B29-F687-4f45-9708-019B960494DF}">
-              <a14:hiddenLine xmlns="" xmlns:a14="http://schemas.microsoft.com/office/drawing/2010/main" w="9525">
+              <a14:hiddenLine xmlns:a14="http://schemas.microsoft.com/office/drawing/2010/main" xmlns="" w="9525">
                 <a:solidFill>
                   <a:srgbClr val="000000"/>
                 </a:solidFill>
@@ -3390,7 +3924,7 @@
               </a14:hiddenLine>
             </a:ext>
             <a:ext uri="{FAA26D3D-D897-4be2-8F04-BA451C77F1D7}">
-              <ma14:placeholderFlag xmlns="" xmlns:ma14="http://schemas.microsoft.com/office/mac/drawingml/2011/main" val="1"/>
+              <ma14:placeholderFlag xmlns:ma14="http://schemas.microsoft.com/office/mac/drawingml/2011/main" xmlns="" val="1"/>
             </a:ext>
           </a:extLst>
         </p:spPr>
@@ -3478,7 +4012,7 @@
             <a:fld id="{4B05E9F9-6013-2A42-9ED9-837109CB185D}" type="datetime1">
               <a:rPr lang="nl-BE"/>
               <a:pPr/>
-              <a:t>11/12/2019</a:t>
+              <a:t>20/12/2019</a:t>
             </a:fld>
             <a:endParaRPr lang="nl-BE"/>
           </a:p>
@@ -4108,6 +4642,1052 @@
           <a:bodyPr/>
           <a:lstStyle/>
           <a:p>
+            <a:pPr marL="0" indent="0">
+              <a:buNone/>
+            </a:pPr>
+            <a:endParaRPr lang="nl-NL" dirty="0">
+              <a:highlight>
+                <a:srgbClr val="FFFF00"/>
+              </a:highlight>
+              <a:latin typeface="Verdana" charset="0"/>
+              <a:ea typeface="ＭＳ Ｐゴシック" charset="0"/>
+              <a:cs typeface="Verdana" charset="0"/>
+            </a:endParaRPr>
+          </a:p>
+        </p:txBody>
+      </p:sp>
+      <p:sp>
+        <p:nvSpPr>
+          <p:cNvPr id="6147" name="Titel 2"/>
+          <p:cNvSpPr>
+            <a:spLocks noGrp="1"/>
+          </p:cNvSpPr>
+          <p:nvPr>
+            <p:ph type="title" idx="4294967295"/>
+          </p:nvPr>
+        </p:nvSpPr>
+        <p:spPr/>
+        <p:txBody>
+          <a:bodyPr/>
+          <a:lstStyle/>
+          <a:p>
+            <a:r>
+              <a:rPr lang="nl-NL" dirty="0">
+                <a:latin typeface="Calibri" charset="0"/>
+                <a:ea typeface="ＭＳ Ｐゴシック" charset="0"/>
+                <a:cs typeface="ＭＳ Ｐゴシック" charset="0"/>
+              </a:rPr>
+              <a:t>MQTT protocol: Connect </a:t>
+            </a:r>
+            <a:r>
+              <a:rPr lang="nl-NL" dirty="0" err="1">
+                <a:latin typeface="Calibri" charset="0"/>
+                <a:ea typeface="ＭＳ Ｐゴシック" charset="0"/>
+                <a:cs typeface="ＭＳ Ｐゴシック" charset="0"/>
+              </a:rPr>
+              <a:t>to</a:t>
+            </a:r>
+            <a:r>
+              <a:rPr lang="nl-NL" dirty="0">
+                <a:latin typeface="Calibri" charset="0"/>
+                <a:ea typeface="ＭＳ Ｐゴシック" charset="0"/>
+                <a:cs typeface="ＭＳ Ｐゴシック" charset="0"/>
+              </a:rPr>
+              <a:t> broker</a:t>
+            </a:r>
+          </a:p>
+        </p:txBody>
+      </p:sp>
+      <p:sp>
+        <p:nvSpPr>
+          <p:cNvPr id="4" name="Tekstvak 3">
+            <a:extLst>
+              <a:ext uri="{FF2B5EF4-FFF2-40B4-BE49-F238E27FC236}">
+                <a16:creationId xmlns:a16="http://schemas.microsoft.com/office/drawing/2014/main" id="{61E7F832-040D-4A4A-A2B7-3117DE05CD9D}"/>
+              </a:ext>
+            </a:extLst>
+          </p:cNvPr>
+          <p:cNvSpPr txBox="1"/>
+          <p:nvPr/>
+        </p:nvSpPr>
+        <p:spPr>
+          <a:xfrm>
+            <a:off x="0" y="6449724"/>
+            <a:ext cx="6153995" cy="292388"/>
+          </a:xfrm>
+          <a:prstGeom prst="rect">
+            <a:avLst/>
+          </a:prstGeom>
+          <a:noFill/>
+        </p:spPr>
+        <p:txBody>
+          <a:bodyPr wrap="square" rtlCol="0">
+            <a:spAutoFit/>
+          </a:bodyPr>
+          <a:lstStyle/>
+          <a:p>
+            <a:r>
+              <a:rPr lang="nl-BE" sz="1300" dirty="0" err="1"/>
+              <a:t>Introduction</a:t>
+            </a:r>
+            <a:r>
+              <a:rPr lang="nl-BE" sz="1300" dirty="0"/>
+              <a:t> – Setup – </a:t>
+            </a:r>
+            <a:r>
+              <a:rPr lang="nl-BE" sz="1300" dirty="0" err="1">
+                <a:solidFill>
+                  <a:srgbClr val="F15A19"/>
+                </a:solidFill>
+              </a:rPr>
+              <a:t>Structure</a:t>
+            </a:r>
+            <a:r>
+              <a:rPr lang="nl-BE" sz="1300" dirty="0">
+                <a:solidFill>
+                  <a:srgbClr val="F15A19"/>
+                </a:solidFill>
+              </a:rPr>
+              <a:t> </a:t>
+            </a:r>
+            <a:r>
+              <a:rPr lang="nl-BE" sz="1300" dirty="0" err="1">
+                <a:solidFill>
+                  <a:srgbClr val="F15A19"/>
+                </a:solidFill>
+              </a:rPr>
+              <a:t>and</a:t>
+            </a:r>
+            <a:r>
+              <a:rPr lang="nl-BE" sz="1300" dirty="0">
+                <a:solidFill>
+                  <a:srgbClr val="F15A19"/>
+                </a:solidFill>
+              </a:rPr>
+              <a:t> </a:t>
+            </a:r>
+            <a:r>
+              <a:rPr lang="nl-BE" sz="1300" dirty="0" err="1">
+                <a:solidFill>
+                  <a:srgbClr val="F15A19"/>
+                </a:solidFill>
+              </a:rPr>
+              <a:t>components</a:t>
+            </a:r>
+            <a:r>
+              <a:rPr lang="nl-BE" sz="1300" dirty="0">
+                <a:solidFill>
+                  <a:srgbClr val="F15A19"/>
+                </a:solidFill>
+              </a:rPr>
+              <a:t> </a:t>
+            </a:r>
+            <a:r>
+              <a:rPr lang="nl-BE" sz="1300" dirty="0"/>
+              <a:t>– </a:t>
+            </a:r>
+            <a:r>
+              <a:rPr lang="nl-BE" sz="1300" dirty="0" err="1"/>
+              <a:t>Demonstration</a:t>
+            </a:r>
+            <a:endParaRPr lang="nl-BE" sz="1300" dirty="0"/>
+          </a:p>
+        </p:txBody>
+      </p:sp>
+      <p:pic>
+        <p:nvPicPr>
+          <p:cNvPr id="2" name="Afbeelding 1">
+            <a:extLst>
+              <a:ext uri="{FF2B5EF4-FFF2-40B4-BE49-F238E27FC236}">
+                <a16:creationId xmlns:a16="http://schemas.microsoft.com/office/drawing/2014/main" id="{9CE07DB5-058A-4233-93C1-9FDEF16722CB}"/>
+              </a:ext>
+            </a:extLst>
+          </p:cNvPr>
+          <p:cNvPicPr>
+            <a:picLocks noChangeAspect="1"/>
+          </p:cNvPicPr>
+          <p:nvPr/>
+        </p:nvPicPr>
+        <p:blipFill>
+          <a:blip r:embed="rId3"/>
+          <a:stretch>
+            <a:fillRect/>
+          </a:stretch>
+        </p:blipFill>
+        <p:spPr>
+          <a:xfrm>
+            <a:off x="2286000" y="1833562"/>
+            <a:ext cx="4572000" cy="3190875"/>
+          </a:xfrm>
+          <a:prstGeom prst="rect">
+            <a:avLst/>
+          </a:prstGeom>
+        </p:spPr>
+      </p:pic>
+    </p:spTree>
+    <p:extLst>
+      <p:ext uri="{BB962C8B-B14F-4D97-AF65-F5344CB8AC3E}">
+        <p14:creationId xmlns:p14="http://schemas.microsoft.com/office/powerpoint/2010/main" val="2006155476"/>
+      </p:ext>
+    </p:extLst>
+  </p:cSld>
+  <p:clrMapOvr>
+    <a:masterClrMapping/>
+  </p:clrMapOvr>
+</p:sld>
+</file>
+
+<file path=ppt/slides/slide11.xml><?xml version="1.0" encoding="utf-8"?>
+<p:sld xmlns:a="http://schemas.openxmlformats.org/drawingml/2006/main" xmlns:r="http://schemas.openxmlformats.org/officeDocument/2006/relationships" xmlns:p="http://schemas.openxmlformats.org/presentationml/2006/main">
+  <p:cSld>
+    <p:spTree>
+      <p:nvGrpSpPr>
+        <p:cNvPr id="1" name=""/>
+        <p:cNvGrpSpPr/>
+        <p:nvPr/>
+      </p:nvGrpSpPr>
+      <p:grpSpPr>
+        <a:xfrm>
+          <a:off x="0" y="0"/>
+          <a:ext cx="0" cy="0"/>
+          <a:chOff x="0" y="0"/>
+          <a:chExt cx="0" cy="0"/>
+        </a:xfrm>
+      </p:grpSpPr>
+      <p:pic>
+        <p:nvPicPr>
+          <p:cNvPr id="3" name="Tijdelijke aanduiding voor inhoud 2">
+            <a:extLst>
+              <a:ext uri="{FF2B5EF4-FFF2-40B4-BE49-F238E27FC236}">
+                <a16:creationId xmlns:a16="http://schemas.microsoft.com/office/drawing/2014/main" id="{FBD0232D-B6A3-457B-B3A2-0E2DD729A3BB}"/>
+              </a:ext>
+            </a:extLst>
+          </p:cNvPr>
+          <p:cNvPicPr>
+            <a:picLocks noGrp="1" noChangeAspect="1"/>
+          </p:cNvPicPr>
+          <p:nvPr>
+            <p:ph idx="1"/>
+          </p:nvPr>
+        </p:nvPicPr>
+        <p:blipFill>
+          <a:blip r:embed="rId3"/>
+          <a:stretch>
+            <a:fillRect/>
+          </a:stretch>
+        </p:blipFill>
+        <p:spPr>
+          <a:xfrm>
+            <a:off x="1581150" y="1707356"/>
+            <a:ext cx="5981700" cy="3619500"/>
+          </a:xfrm>
+          <a:prstGeom prst="rect">
+            <a:avLst/>
+          </a:prstGeom>
+        </p:spPr>
+      </p:pic>
+      <p:sp>
+        <p:nvSpPr>
+          <p:cNvPr id="6147" name="Titel 2"/>
+          <p:cNvSpPr>
+            <a:spLocks noGrp="1"/>
+          </p:cNvSpPr>
+          <p:nvPr>
+            <p:ph type="title" idx="4294967295"/>
+          </p:nvPr>
+        </p:nvSpPr>
+        <p:spPr/>
+        <p:txBody>
+          <a:bodyPr/>
+          <a:lstStyle/>
+          <a:p>
+            <a:r>
+              <a:rPr lang="nl-NL" dirty="0">
+                <a:latin typeface="Calibri" charset="0"/>
+                <a:ea typeface="ＭＳ Ｐゴシック" charset="0"/>
+                <a:cs typeface="ＭＳ Ｐゴシック" charset="0"/>
+              </a:rPr>
+              <a:t>MQTT protocol: Setup </a:t>
+            </a:r>
+            <a:r>
+              <a:rPr lang="nl-NL" dirty="0" err="1">
+                <a:latin typeface="Calibri" charset="0"/>
+                <a:ea typeface="ＭＳ Ｐゴシック" charset="0"/>
+                <a:cs typeface="ＭＳ Ｐゴシック" charset="0"/>
+              </a:rPr>
+              <a:t>thing</a:t>
+            </a:r>
+            <a:endParaRPr lang="nl-NL" dirty="0">
+              <a:latin typeface="Calibri" charset="0"/>
+              <a:ea typeface="ＭＳ Ｐゴシック" charset="0"/>
+              <a:cs typeface="ＭＳ Ｐゴシック" charset="0"/>
+            </a:endParaRPr>
+          </a:p>
+        </p:txBody>
+      </p:sp>
+      <p:sp>
+        <p:nvSpPr>
+          <p:cNvPr id="4" name="Tekstvak 3">
+            <a:extLst>
+              <a:ext uri="{FF2B5EF4-FFF2-40B4-BE49-F238E27FC236}">
+                <a16:creationId xmlns:a16="http://schemas.microsoft.com/office/drawing/2014/main" id="{61E7F832-040D-4A4A-A2B7-3117DE05CD9D}"/>
+              </a:ext>
+            </a:extLst>
+          </p:cNvPr>
+          <p:cNvSpPr txBox="1"/>
+          <p:nvPr/>
+        </p:nvSpPr>
+        <p:spPr>
+          <a:xfrm>
+            <a:off x="0" y="6449724"/>
+            <a:ext cx="6153995" cy="292388"/>
+          </a:xfrm>
+          <a:prstGeom prst="rect">
+            <a:avLst/>
+          </a:prstGeom>
+          <a:noFill/>
+        </p:spPr>
+        <p:txBody>
+          <a:bodyPr wrap="square" rtlCol="0">
+            <a:spAutoFit/>
+          </a:bodyPr>
+          <a:lstStyle/>
+          <a:p>
+            <a:r>
+              <a:rPr lang="nl-BE" sz="1300" dirty="0" err="1"/>
+              <a:t>Introduction</a:t>
+            </a:r>
+            <a:r>
+              <a:rPr lang="nl-BE" sz="1300" dirty="0"/>
+              <a:t> – Setup – </a:t>
+            </a:r>
+            <a:r>
+              <a:rPr lang="nl-BE" sz="1300" dirty="0" err="1">
+                <a:solidFill>
+                  <a:srgbClr val="F15A19"/>
+                </a:solidFill>
+              </a:rPr>
+              <a:t>Structure</a:t>
+            </a:r>
+            <a:r>
+              <a:rPr lang="nl-BE" sz="1300" dirty="0">
+                <a:solidFill>
+                  <a:srgbClr val="F15A19"/>
+                </a:solidFill>
+              </a:rPr>
+              <a:t> </a:t>
+            </a:r>
+            <a:r>
+              <a:rPr lang="nl-BE" sz="1300" dirty="0" err="1">
+                <a:solidFill>
+                  <a:srgbClr val="F15A19"/>
+                </a:solidFill>
+              </a:rPr>
+              <a:t>and</a:t>
+            </a:r>
+            <a:r>
+              <a:rPr lang="nl-BE" sz="1300" dirty="0">
+                <a:solidFill>
+                  <a:srgbClr val="F15A19"/>
+                </a:solidFill>
+              </a:rPr>
+              <a:t> </a:t>
+            </a:r>
+            <a:r>
+              <a:rPr lang="nl-BE" sz="1300" dirty="0" err="1">
+                <a:solidFill>
+                  <a:srgbClr val="F15A19"/>
+                </a:solidFill>
+              </a:rPr>
+              <a:t>components</a:t>
+            </a:r>
+            <a:r>
+              <a:rPr lang="nl-BE" sz="1300" dirty="0">
+                <a:solidFill>
+                  <a:srgbClr val="F15A19"/>
+                </a:solidFill>
+              </a:rPr>
+              <a:t> </a:t>
+            </a:r>
+            <a:r>
+              <a:rPr lang="nl-BE" sz="1300" dirty="0"/>
+              <a:t>– </a:t>
+            </a:r>
+            <a:r>
+              <a:rPr lang="nl-BE" sz="1300" dirty="0" err="1"/>
+              <a:t>Demonstration</a:t>
+            </a:r>
+            <a:endParaRPr lang="nl-BE" sz="1300" dirty="0"/>
+          </a:p>
+        </p:txBody>
+      </p:sp>
+    </p:spTree>
+    <p:extLst>
+      <p:ext uri="{BB962C8B-B14F-4D97-AF65-F5344CB8AC3E}">
+        <p14:creationId xmlns:p14="http://schemas.microsoft.com/office/powerpoint/2010/main" val="161910564"/>
+      </p:ext>
+    </p:extLst>
+  </p:cSld>
+  <p:clrMapOvr>
+    <a:masterClrMapping/>
+  </p:clrMapOvr>
+</p:sld>
+</file>
+
+<file path=ppt/slides/slide12.xml><?xml version="1.0" encoding="utf-8"?>
+<p:sld xmlns:a="http://schemas.openxmlformats.org/drawingml/2006/main" xmlns:r="http://schemas.openxmlformats.org/officeDocument/2006/relationships" xmlns:p="http://schemas.openxmlformats.org/presentationml/2006/main">
+  <p:cSld>
+    <p:spTree>
+      <p:nvGrpSpPr>
+        <p:cNvPr id="1" name=""/>
+        <p:cNvGrpSpPr/>
+        <p:nvPr/>
+      </p:nvGrpSpPr>
+      <p:grpSpPr>
+        <a:xfrm>
+          <a:off x="0" y="0"/>
+          <a:ext cx="0" cy="0"/>
+          <a:chOff x="0" y="0"/>
+          <a:chExt cx="0" cy="0"/>
+        </a:xfrm>
+      </p:grpSpPr>
+      <p:sp>
+        <p:nvSpPr>
+          <p:cNvPr id="6147" name="Titel 2"/>
+          <p:cNvSpPr>
+            <a:spLocks noGrp="1"/>
+          </p:cNvSpPr>
+          <p:nvPr>
+            <p:ph type="title" idx="4294967295"/>
+          </p:nvPr>
+        </p:nvSpPr>
+        <p:spPr/>
+        <p:txBody>
+          <a:bodyPr/>
+          <a:lstStyle/>
+          <a:p>
+            <a:r>
+              <a:rPr lang="nl-NL" dirty="0">
+                <a:latin typeface="Calibri" charset="0"/>
+                <a:ea typeface="ＭＳ Ｐゴシック" charset="0"/>
+                <a:cs typeface="ＭＳ Ｐゴシック" charset="0"/>
+              </a:rPr>
+              <a:t>MQTT protocol: MQTT Callback</a:t>
+            </a:r>
+          </a:p>
+        </p:txBody>
+      </p:sp>
+      <p:sp>
+        <p:nvSpPr>
+          <p:cNvPr id="4" name="Tekstvak 3">
+            <a:extLst>
+              <a:ext uri="{FF2B5EF4-FFF2-40B4-BE49-F238E27FC236}">
+                <a16:creationId xmlns:a16="http://schemas.microsoft.com/office/drawing/2014/main" id="{61E7F832-040D-4A4A-A2B7-3117DE05CD9D}"/>
+              </a:ext>
+            </a:extLst>
+          </p:cNvPr>
+          <p:cNvSpPr txBox="1"/>
+          <p:nvPr/>
+        </p:nvSpPr>
+        <p:spPr>
+          <a:xfrm>
+            <a:off x="0" y="6449724"/>
+            <a:ext cx="6153995" cy="292388"/>
+          </a:xfrm>
+          <a:prstGeom prst="rect">
+            <a:avLst/>
+          </a:prstGeom>
+          <a:noFill/>
+        </p:spPr>
+        <p:txBody>
+          <a:bodyPr wrap="square" rtlCol="0">
+            <a:spAutoFit/>
+          </a:bodyPr>
+          <a:lstStyle/>
+          <a:p>
+            <a:r>
+              <a:rPr lang="nl-BE" sz="1300" dirty="0" err="1"/>
+              <a:t>Introduction</a:t>
+            </a:r>
+            <a:r>
+              <a:rPr lang="nl-BE" sz="1300" dirty="0"/>
+              <a:t> – Setup – </a:t>
+            </a:r>
+            <a:r>
+              <a:rPr lang="nl-BE" sz="1300" dirty="0" err="1">
+                <a:solidFill>
+                  <a:srgbClr val="F15A19"/>
+                </a:solidFill>
+              </a:rPr>
+              <a:t>Structure</a:t>
+            </a:r>
+            <a:r>
+              <a:rPr lang="nl-BE" sz="1300" dirty="0">
+                <a:solidFill>
+                  <a:srgbClr val="F15A19"/>
+                </a:solidFill>
+              </a:rPr>
+              <a:t> </a:t>
+            </a:r>
+            <a:r>
+              <a:rPr lang="nl-BE" sz="1300" dirty="0" err="1">
+                <a:solidFill>
+                  <a:srgbClr val="F15A19"/>
+                </a:solidFill>
+              </a:rPr>
+              <a:t>and</a:t>
+            </a:r>
+            <a:r>
+              <a:rPr lang="nl-BE" sz="1300" dirty="0">
+                <a:solidFill>
+                  <a:srgbClr val="F15A19"/>
+                </a:solidFill>
+              </a:rPr>
+              <a:t> </a:t>
+            </a:r>
+            <a:r>
+              <a:rPr lang="nl-BE" sz="1300" dirty="0" err="1">
+                <a:solidFill>
+                  <a:srgbClr val="F15A19"/>
+                </a:solidFill>
+              </a:rPr>
+              <a:t>components</a:t>
+            </a:r>
+            <a:r>
+              <a:rPr lang="nl-BE" sz="1300" dirty="0">
+                <a:solidFill>
+                  <a:srgbClr val="F15A19"/>
+                </a:solidFill>
+              </a:rPr>
+              <a:t> </a:t>
+            </a:r>
+            <a:r>
+              <a:rPr lang="nl-BE" sz="1300" dirty="0"/>
+              <a:t>– </a:t>
+            </a:r>
+            <a:r>
+              <a:rPr lang="nl-BE" sz="1300" dirty="0" err="1"/>
+              <a:t>Demonstration</a:t>
+            </a:r>
+            <a:endParaRPr lang="nl-BE" sz="1300" dirty="0"/>
+          </a:p>
+        </p:txBody>
+      </p:sp>
+      <p:sp>
+        <p:nvSpPr>
+          <p:cNvPr id="5" name="Tijdelijke aanduiding voor inhoud 4">
+            <a:extLst>
+              <a:ext uri="{FF2B5EF4-FFF2-40B4-BE49-F238E27FC236}">
+                <a16:creationId xmlns:a16="http://schemas.microsoft.com/office/drawing/2014/main" id="{1DA64CFA-1261-4BC3-A911-56AA18EA4C4E}"/>
+              </a:ext>
+            </a:extLst>
+          </p:cNvPr>
+          <p:cNvSpPr>
+            <a:spLocks noGrp="1"/>
+          </p:cNvSpPr>
+          <p:nvPr>
+            <p:ph idx="1"/>
+          </p:nvPr>
+        </p:nvSpPr>
+        <p:spPr/>
+        <p:txBody>
+          <a:bodyPr/>
+          <a:lstStyle/>
+          <a:p>
+            <a:endParaRPr lang="nl-BE"/>
+          </a:p>
+        </p:txBody>
+      </p:sp>
+      <p:pic>
+        <p:nvPicPr>
+          <p:cNvPr id="6" name="Afbeelding 5">
+            <a:extLst>
+              <a:ext uri="{FF2B5EF4-FFF2-40B4-BE49-F238E27FC236}">
+                <a16:creationId xmlns:a16="http://schemas.microsoft.com/office/drawing/2014/main" id="{6A6947EE-2E0B-4DE5-A26A-063BA3C74171}"/>
+              </a:ext>
+            </a:extLst>
+          </p:cNvPr>
+          <p:cNvPicPr>
+            <a:picLocks noChangeAspect="1"/>
+          </p:cNvPicPr>
+          <p:nvPr/>
+        </p:nvPicPr>
+        <p:blipFill>
+          <a:blip r:embed="rId3"/>
+          <a:stretch>
+            <a:fillRect/>
+          </a:stretch>
+        </p:blipFill>
+        <p:spPr>
+          <a:xfrm>
+            <a:off x="1476375" y="1214437"/>
+            <a:ext cx="6191250" cy="4429125"/>
+          </a:xfrm>
+          <a:prstGeom prst="rect">
+            <a:avLst/>
+          </a:prstGeom>
+        </p:spPr>
+      </p:pic>
+    </p:spTree>
+    <p:extLst>
+      <p:ext uri="{BB962C8B-B14F-4D97-AF65-F5344CB8AC3E}">
+        <p14:creationId xmlns:p14="http://schemas.microsoft.com/office/powerpoint/2010/main" val="589558079"/>
+      </p:ext>
+    </p:extLst>
+  </p:cSld>
+  <p:clrMapOvr>
+    <a:masterClrMapping/>
+  </p:clrMapOvr>
+</p:sld>
+</file>
+
+<file path=ppt/slides/slide13.xml><?xml version="1.0" encoding="utf-8"?>
+<p:sld xmlns:a="http://schemas.openxmlformats.org/drawingml/2006/main" xmlns:r="http://schemas.openxmlformats.org/officeDocument/2006/relationships" xmlns:p="http://schemas.openxmlformats.org/presentationml/2006/main">
+  <p:cSld>
+    <p:spTree>
+      <p:nvGrpSpPr>
+        <p:cNvPr id="1" name=""/>
+        <p:cNvGrpSpPr/>
+        <p:nvPr/>
+      </p:nvGrpSpPr>
+      <p:grpSpPr>
+        <a:xfrm>
+          <a:off x="0" y="0"/>
+          <a:ext cx="0" cy="0"/>
+          <a:chOff x="0" y="0"/>
+          <a:chExt cx="0" cy="0"/>
+        </a:xfrm>
+      </p:grpSpPr>
+      <p:sp>
+        <p:nvSpPr>
+          <p:cNvPr id="6147" name="Titel 2"/>
+          <p:cNvSpPr>
+            <a:spLocks noGrp="1"/>
+          </p:cNvSpPr>
+          <p:nvPr>
+            <p:ph type="title" idx="4294967295"/>
+          </p:nvPr>
+        </p:nvSpPr>
+        <p:spPr/>
+        <p:txBody>
+          <a:bodyPr/>
+          <a:lstStyle/>
+          <a:p>
+            <a:r>
+              <a:rPr lang="nl-NL" dirty="0">
+                <a:latin typeface="Calibri" charset="0"/>
+                <a:ea typeface="ＭＳ Ｐゴシック" charset="0"/>
+                <a:cs typeface="ＭＳ Ｐゴシック" charset="0"/>
+              </a:rPr>
+              <a:t>MQTT protocol: </a:t>
+            </a:r>
+            <a:r>
+              <a:rPr lang="nl-NL" dirty="0" err="1">
+                <a:latin typeface="Calibri" charset="0"/>
+                <a:ea typeface="ＭＳ Ｐゴシック" charset="0"/>
+                <a:cs typeface="ＭＳ Ｐゴシック" charset="0"/>
+              </a:rPr>
+              <a:t>Send</a:t>
+            </a:r>
+            <a:r>
+              <a:rPr lang="nl-NL" dirty="0">
+                <a:latin typeface="Calibri" charset="0"/>
+                <a:ea typeface="ＭＳ Ｐゴシック" charset="0"/>
+                <a:cs typeface="ＭＳ Ｐゴシック" charset="0"/>
+              </a:rPr>
+              <a:t> </a:t>
+            </a:r>
+            <a:r>
+              <a:rPr lang="nl-NL" dirty="0" err="1">
+                <a:latin typeface="Calibri" charset="0"/>
+                <a:ea typeface="ＭＳ Ｐゴシック" charset="0"/>
+                <a:cs typeface="ＭＳ Ｐゴシック" charset="0"/>
+              </a:rPr>
+              <a:t>values</a:t>
+            </a:r>
+            <a:endParaRPr lang="nl-NL" dirty="0">
+              <a:latin typeface="Calibri" charset="0"/>
+              <a:ea typeface="ＭＳ Ｐゴシック" charset="0"/>
+              <a:cs typeface="ＭＳ Ｐゴシック" charset="0"/>
+            </a:endParaRPr>
+          </a:p>
+        </p:txBody>
+      </p:sp>
+      <p:sp>
+        <p:nvSpPr>
+          <p:cNvPr id="4" name="Tekstvak 3">
+            <a:extLst>
+              <a:ext uri="{FF2B5EF4-FFF2-40B4-BE49-F238E27FC236}">
+                <a16:creationId xmlns:a16="http://schemas.microsoft.com/office/drawing/2014/main" id="{61E7F832-040D-4A4A-A2B7-3117DE05CD9D}"/>
+              </a:ext>
+            </a:extLst>
+          </p:cNvPr>
+          <p:cNvSpPr txBox="1"/>
+          <p:nvPr/>
+        </p:nvSpPr>
+        <p:spPr>
+          <a:xfrm>
+            <a:off x="0" y="6449724"/>
+            <a:ext cx="6153995" cy="292388"/>
+          </a:xfrm>
+          <a:prstGeom prst="rect">
+            <a:avLst/>
+          </a:prstGeom>
+          <a:noFill/>
+        </p:spPr>
+        <p:txBody>
+          <a:bodyPr wrap="square" rtlCol="0">
+            <a:spAutoFit/>
+          </a:bodyPr>
+          <a:lstStyle/>
+          <a:p>
+            <a:r>
+              <a:rPr lang="nl-BE" sz="1300" dirty="0" err="1"/>
+              <a:t>Introduction</a:t>
+            </a:r>
+            <a:r>
+              <a:rPr lang="nl-BE" sz="1300" dirty="0"/>
+              <a:t> – Setup – </a:t>
+            </a:r>
+            <a:r>
+              <a:rPr lang="nl-BE" sz="1300" dirty="0" err="1">
+                <a:solidFill>
+                  <a:srgbClr val="F15A19"/>
+                </a:solidFill>
+              </a:rPr>
+              <a:t>Structure</a:t>
+            </a:r>
+            <a:r>
+              <a:rPr lang="nl-BE" sz="1300" dirty="0">
+                <a:solidFill>
+                  <a:srgbClr val="F15A19"/>
+                </a:solidFill>
+              </a:rPr>
+              <a:t> </a:t>
+            </a:r>
+            <a:r>
+              <a:rPr lang="nl-BE" sz="1300" dirty="0" err="1">
+                <a:solidFill>
+                  <a:srgbClr val="F15A19"/>
+                </a:solidFill>
+              </a:rPr>
+              <a:t>and</a:t>
+            </a:r>
+            <a:r>
+              <a:rPr lang="nl-BE" sz="1300" dirty="0">
+                <a:solidFill>
+                  <a:srgbClr val="F15A19"/>
+                </a:solidFill>
+              </a:rPr>
+              <a:t> </a:t>
+            </a:r>
+            <a:r>
+              <a:rPr lang="nl-BE" sz="1300" dirty="0" err="1">
+                <a:solidFill>
+                  <a:srgbClr val="F15A19"/>
+                </a:solidFill>
+              </a:rPr>
+              <a:t>components</a:t>
+            </a:r>
+            <a:r>
+              <a:rPr lang="nl-BE" sz="1300" dirty="0">
+                <a:solidFill>
+                  <a:srgbClr val="F15A19"/>
+                </a:solidFill>
+              </a:rPr>
+              <a:t> </a:t>
+            </a:r>
+            <a:r>
+              <a:rPr lang="nl-BE" sz="1300" dirty="0"/>
+              <a:t>– </a:t>
+            </a:r>
+            <a:r>
+              <a:rPr lang="nl-BE" sz="1300" dirty="0" err="1"/>
+              <a:t>Demonstration</a:t>
+            </a:r>
+            <a:endParaRPr lang="nl-BE" sz="1300" dirty="0"/>
+          </a:p>
+        </p:txBody>
+      </p:sp>
+      <p:pic>
+        <p:nvPicPr>
+          <p:cNvPr id="2" name="Tijdelijke aanduiding voor inhoud 1">
+            <a:extLst>
+              <a:ext uri="{FF2B5EF4-FFF2-40B4-BE49-F238E27FC236}">
+                <a16:creationId xmlns:a16="http://schemas.microsoft.com/office/drawing/2014/main" id="{565E5C46-4E50-4413-8546-826F65324F96}"/>
+              </a:ext>
+            </a:extLst>
+          </p:cNvPr>
+          <p:cNvPicPr>
+            <a:picLocks noGrp="1" noChangeAspect="1"/>
+          </p:cNvPicPr>
+          <p:nvPr>
+            <p:ph idx="1"/>
+          </p:nvPr>
+        </p:nvPicPr>
+        <p:blipFill>
+          <a:blip r:embed="rId3"/>
+          <a:stretch>
+            <a:fillRect/>
+          </a:stretch>
+        </p:blipFill>
+        <p:spPr>
+          <a:xfrm>
+            <a:off x="2338387" y="1821656"/>
+            <a:ext cx="4467225" cy="3390900"/>
+          </a:xfrm>
+          <a:prstGeom prst="rect">
+            <a:avLst/>
+          </a:prstGeom>
+        </p:spPr>
+      </p:pic>
+    </p:spTree>
+    <p:extLst>
+      <p:ext uri="{BB962C8B-B14F-4D97-AF65-F5344CB8AC3E}">
+        <p14:creationId xmlns:p14="http://schemas.microsoft.com/office/powerpoint/2010/main" val="84601701"/>
+      </p:ext>
+    </p:extLst>
+  </p:cSld>
+  <p:clrMapOvr>
+    <a:masterClrMapping/>
+  </p:clrMapOvr>
+</p:sld>
+</file>
+
+<file path=ppt/slides/slide14.xml><?xml version="1.0" encoding="utf-8"?>
+<p:sld xmlns:a="http://schemas.openxmlformats.org/drawingml/2006/main" xmlns:r="http://schemas.openxmlformats.org/officeDocument/2006/relationships" xmlns:p="http://schemas.openxmlformats.org/presentationml/2006/main">
+  <p:cSld>
+    <p:spTree>
+      <p:nvGrpSpPr>
+        <p:cNvPr id="1" name=""/>
+        <p:cNvGrpSpPr/>
+        <p:nvPr/>
+      </p:nvGrpSpPr>
+      <p:grpSpPr>
+        <a:xfrm>
+          <a:off x="0" y="0"/>
+          <a:ext cx="0" cy="0"/>
+          <a:chOff x="0" y="0"/>
+          <a:chExt cx="0" cy="0"/>
+        </a:xfrm>
+      </p:grpSpPr>
+      <p:sp>
+        <p:nvSpPr>
+          <p:cNvPr id="6147" name="Titel 2"/>
+          <p:cNvSpPr>
+            <a:spLocks noGrp="1"/>
+          </p:cNvSpPr>
+          <p:nvPr>
+            <p:ph type="title" idx="4294967295"/>
+          </p:nvPr>
+        </p:nvSpPr>
+        <p:spPr/>
+        <p:txBody>
+          <a:bodyPr/>
+          <a:lstStyle/>
+          <a:p>
+            <a:r>
+              <a:rPr lang="nl-NL" dirty="0">
+                <a:latin typeface="Calibri" charset="0"/>
+                <a:ea typeface="ＭＳ Ｐゴシック" charset="0"/>
+                <a:cs typeface="ＭＳ Ｐゴシック" charset="0"/>
+              </a:rPr>
+              <a:t>MQTT protocol: Loop </a:t>
+            </a:r>
+            <a:r>
+              <a:rPr lang="nl-NL" dirty="0" err="1">
+                <a:latin typeface="Calibri" charset="0"/>
+                <a:ea typeface="ＭＳ Ｐゴシック" charset="0"/>
+                <a:cs typeface="ＭＳ Ｐゴシック" charset="0"/>
+              </a:rPr>
+              <a:t>function</a:t>
+            </a:r>
+            <a:endParaRPr lang="nl-NL" dirty="0">
+              <a:latin typeface="Calibri" charset="0"/>
+              <a:ea typeface="ＭＳ Ｐゴシック" charset="0"/>
+              <a:cs typeface="ＭＳ Ｐゴシック" charset="0"/>
+            </a:endParaRPr>
+          </a:p>
+        </p:txBody>
+      </p:sp>
+      <p:sp>
+        <p:nvSpPr>
+          <p:cNvPr id="4" name="Tekstvak 3">
+            <a:extLst>
+              <a:ext uri="{FF2B5EF4-FFF2-40B4-BE49-F238E27FC236}">
+                <a16:creationId xmlns:a16="http://schemas.microsoft.com/office/drawing/2014/main" id="{61E7F832-040D-4A4A-A2B7-3117DE05CD9D}"/>
+              </a:ext>
+            </a:extLst>
+          </p:cNvPr>
+          <p:cNvSpPr txBox="1"/>
+          <p:nvPr/>
+        </p:nvSpPr>
+        <p:spPr>
+          <a:xfrm>
+            <a:off x="0" y="6449724"/>
+            <a:ext cx="6153995" cy="292388"/>
+          </a:xfrm>
+          <a:prstGeom prst="rect">
+            <a:avLst/>
+          </a:prstGeom>
+          <a:noFill/>
+        </p:spPr>
+        <p:txBody>
+          <a:bodyPr wrap="square" rtlCol="0">
+            <a:spAutoFit/>
+          </a:bodyPr>
+          <a:lstStyle/>
+          <a:p>
+            <a:r>
+              <a:rPr lang="nl-BE" sz="1300" dirty="0" err="1"/>
+              <a:t>Introduction</a:t>
+            </a:r>
+            <a:r>
+              <a:rPr lang="nl-BE" sz="1300" dirty="0"/>
+              <a:t> – Setup – </a:t>
+            </a:r>
+            <a:r>
+              <a:rPr lang="nl-BE" sz="1300" dirty="0" err="1">
+                <a:solidFill>
+                  <a:srgbClr val="F15A19"/>
+                </a:solidFill>
+              </a:rPr>
+              <a:t>Structure</a:t>
+            </a:r>
+            <a:r>
+              <a:rPr lang="nl-BE" sz="1300" dirty="0">
+                <a:solidFill>
+                  <a:srgbClr val="F15A19"/>
+                </a:solidFill>
+              </a:rPr>
+              <a:t> </a:t>
+            </a:r>
+            <a:r>
+              <a:rPr lang="nl-BE" sz="1300" dirty="0" err="1">
+                <a:solidFill>
+                  <a:srgbClr val="F15A19"/>
+                </a:solidFill>
+              </a:rPr>
+              <a:t>and</a:t>
+            </a:r>
+            <a:r>
+              <a:rPr lang="nl-BE" sz="1300" dirty="0">
+                <a:solidFill>
+                  <a:srgbClr val="F15A19"/>
+                </a:solidFill>
+              </a:rPr>
+              <a:t> </a:t>
+            </a:r>
+            <a:r>
+              <a:rPr lang="nl-BE" sz="1300" dirty="0" err="1">
+                <a:solidFill>
+                  <a:srgbClr val="F15A19"/>
+                </a:solidFill>
+              </a:rPr>
+              <a:t>components</a:t>
+            </a:r>
+            <a:r>
+              <a:rPr lang="nl-BE" sz="1300" dirty="0">
+                <a:solidFill>
+                  <a:srgbClr val="F15A19"/>
+                </a:solidFill>
+              </a:rPr>
+              <a:t> </a:t>
+            </a:r>
+            <a:r>
+              <a:rPr lang="nl-BE" sz="1300" dirty="0"/>
+              <a:t>– </a:t>
+            </a:r>
+            <a:r>
+              <a:rPr lang="nl-BE" sz="1300" dirty="0" err="1"/>
+              <a:t>Demonstration</a:t>
+            </a:r>
+            <a:endParaRPr lang="nl-BE" sz="1300" dirty="0"/>
+          </a:p>
+        </p:txBody>
+      </p:sp>
+      <p:pic>
+        <p:nvPicPr>
+          <p:cNvPr id="9" name="Tijdelijke aanduiding voor inhoud 8">
+            <a:extLst>
+              <a:ext uri="{FF2B5EF4-FFF2-40B4-BE49-F238E27FC236}">
+                <a16:creationId xmlns:a16="http://schemas.microsoft.com/office/drawing/2014/main" id="{42931081-625F-475A-84C9-FD3469F8142B}"/>
+              </a:ext>
+            </a:extLst>
+          </p:cNvPr>
+          <p:cNvPicPr>
+            <a:picLocks noGrp="1" noChangeAspect="1"/>
+          </p:cNvPicPr>
+          <p:nvPr>
+            <p:ph idx="1"/>
+          </p:nvPr>
+        </p:nvPicPr>
+        <p:blipFill>
+          <a:blip r:embed="rId3"/>
+          <a:stretch>
+            <a:fillRect/>
+          </a:stretch>
+        </p:blipFill>
+        <p:spPr>
+          <a:xfrm>
+            <a:off x="1595437" y="2355056"/>
+            <a:ext cx="5953125" cy="2324100"/>
+          </a:xfrm>
+          <a:prstGeom prst="rect">
+            <a:avLst/>
+          </a:prstGeom>
+        </p:spPr>
+      </p:pic>
+    </p:spTree>
+    <p:extLst>
+      <p:ext uri="{BB962C8B-B14F-4D97-AF65-F5344CB8AC3E}">
+        <p14:creationId xmlns:p14="http://schemas.microsoft.com/office/powerpoint/2010/main" val="1153215907"/>
+      </p:ext>
+    </p:extLst>
+  </p:cSld>
+  <p:clrMapOvr>
+    <a:masterClrMapping/>
+  </p:clrMapOvr>
+</p:sld>
+</file>
+
+<file path=ppt/slides/slide15.xml><?xml version="1.0" encoding="utf-8"?>
+<p:sld xmlns:a="http://schemas.openxmlformats.org/drawingml/2006/main" xmlns:r="http://schemas.openxmlformats.org/officeDocument/2006/relationships" xmlns:p="http://schemas.openxmlformats.org/presentationml/2006/main">
+  <p:cSld>
+    <p:spTree>
+      <p:nvGrpSpPr>
+        <p:cNvPr id="1" name=""/>
+        <p:cNvGrpSpPr/>
+        <p:nvPr/>
+      </p:nvGrpSpPr>
+      <p:grpSpPr>
+        <a:xfrm>
+          <a:off x="0" y="0"/>
+          <a:ext cx="0" cy="0"/>
+          <a:chOff x="0" y="0"/>
+          <a:chExt cx="0" cy="0"/>
+        </a:xfrm>
+      </p:grpSpPr>
+      <p:sp>
+        <p:nvSpPr>
+          <p:cNvPr id="6146" name="Tijdelijke aanduiding voor inhoud 1"/>
+          <p:cNvSpPr>
+            <a:spLocks noGrp="1"/>
+          </p:cNvSpPr>
+          <p:nvPr>
+            <p:ph idx="1"/>
+          </p:nvPr>
+        </p:nvSpPr>
+        <p:spPr>
+          <a:xfrm>
+            <a:off x="457200" y="908050"/>
+            <a:ext cx="8229600" cy="5218113"/>
+          </a:xfrm>
+        </p:spPr>
+        <p:txBody>
+          <a:bodyPr/>
+          <a:lstStyle/>
+          <a:p>
             <a:pPr>
               <a:buFont typeface="Wingdings" charset="0"/>
               <a:buChar char="§"/>
@@ -4340,7 +5920,7 @@
 </p:sld>
 </file>
 
-<file path=ppt/slides/slide11.xml><?xml version="1.0" encoding="utf-8"?>
+<file path=ppt/slides/slide16.xml><?xml version="1.0" encoding="utf-8"?>
 <p:sld xmlns:a="http://schemas.openxmlformats.org/drawingml/2006/main" xmlns:r="http://schemas.openxmlformats.org/officeDocument/2006/relationships" xmlns:p="http://schemas.openxmlformats.org/presentationml/2006/main">
   <p:cSld>
     <p:spTree>
@@ -4672,7 +6252,7 @@
 </p:sld>
 </file>
 
-<file path=ppt/slides/slide12.xml><?xml version="1.0" encoding="utf-8"?>
+<file path=ppt/slides/slide17.xml><?xml version="1.0" encoding="utf-8"?>
 <p:sld xmlns:a="http://schemas.openxmlformats.org/drawingml/2006/main" xmlns:r="http://schemas.openxmlformats.org/officeDocument/2006/relationships" xmlns:p="http://schemas.openxmlformats.org/presentationml/2006/main">
   <p:cSld>
     <p:spTree>
@@ -4689,65 +6269,38 @@
           <a:chExt cx="0" cy="0"/>
         </a:xfrm>
       </p:grpSpPr>
-      <p:sp>
-        <p:nvSpPr>
-          <p:cNvPr id="6146" name="Tijdelijke aanduiding voor inhoud 1"/>
-          <p:cNvSpPr>
-            <a:spLocks noGrp="1"/>
-          </p:cNvSpPr>
+      <p:pic>
+        <p:nvPicPr>
+          <p:cNvPr id="2" name="Tijdelijke aanduiding voor inhoud 1">
+            <a:extLst>
+              <a:ext uri="{FF2B5EF4-FFF2-40B4-BE49-F238E27FC236}">
+                <a16:creationId xmlns:a16="http://schemas.microsoft.com/office/drawing/2014/main" id="{990D77FD-A6B7-4030-874F-E24DBD18D94C}"/>
+              </a:ext>
+            </a:extLst>
+          </p:cNvPr>
+          <p:cNvPicPr>
+            <a:picLocks noGrp="1" noChangeAspect="1"/>
+          </p:cNvPicPr>
           <p:nvPr>
             <p:ph idx="1"/>
           </p:nvPr>
-        </p:nvSpPr>
+        </p:nvPicPr>
+        <p:blipFill>
+          <a:blip r:embed="rId3"/>
+          <a:stretch>
+            <a:fillRect/>
+          </a:stretch>
+        </p:blipFill>
         <p:spPr>
           <a:xfrm>
-            <a:off x="457200" y="908050"/>
-            <a:ext cx="8229600" cy="5218113"/>
+            <a:off x="2114550" y="2459831"/>
+            <a:ext cx="4914900" cy="2114550"/>
           </a:xfrm>
+          <a:prstGeom prst="rect">
+            <a:avLst/>
+          </a:prstGeom>
         </p:spPr>
-        <p:txBody>
-          <a:bodyPr/>
-          <a:lstStyle/>
-          <a:p>
-            <a:pPr>
-              <a:buFont typeface="Wingdings" charset="0"/>
-              <a:buChar char="§"/>
-            </a:pPr>
-            <a:r>
-              <a:rPr lang="nl-NL" dirty="0">
-                <a:highlight>
-                  <a:srgbClr val="FFFF00"/>
-                </a:highlight>
-                <a:latin typeface="Verdana" charset="0"/>
-                <a:ea typeface="ＭＳ Ｐゴシック" charset="0"/>
-                <a:cs typeface="Verdana" charset="0"/>
-              </a:rPr>
-              <a:t>Hier een foto van de code Spring</a:t>
-            </a:r>
-          </a:p>
-          <a:p>
-            <a:pPr marL="0" indent="0">
-              <a:buNone/>
-            </a:pPr>
-            <a:endParaRPr lang="nl-NL" dirty="0">
-              <a:latin typeface="Verdana" charset="0"/>
-              <a:ea typeface="ＭＳ Ｐゴシック" charset="0"/>
-              <a:cs typeface="Verdana" charset="0"/>
-            </a:endParaRPr>
-          </a:p>
-          <a:p>
-            <a:pPr>
-              <a:buFont typeface="Wingdings" charset="0"/>
-              <a:buChar char="§"/>
-            </a:pPr>
-            <a:endParaRPr lang="nl-NL" dirty="0">
-              <a:latin typeface="Verdana" charset="0"/>
-              <a:ea typeface="ＭＳ Ｐゴシック" charset="0"/>
-              <a:cs typeface="Verdana" charset="0"/>
-            </a:endParaRPr>
-          </a:p>
-        </p:txBody>
-      </p:sp>
+      </p:pic>
       <p:sp>
         <p:nvSpPr>
           <p:cNvPr id="6147" name="Titel 2"/>
@@ -4912,7 +6465,7 @@
 </p:sld>
 </file>
 
-<file path=ppt/slides/slide13.xml><?xml version="1.0" encoding="utf-8"?>
+<file path=ppt/slides/slide18.xml><?xml version="1.0" encoding="utf-8"?>
 <p:sld xmlns:a="http://schemas.openxmlformats.org/drawingml/2006/main" xmlns:r="http://schemas.openxmlformats.org/officeDocument/2006/relationships" xmlns:p="http://schemas.openxmlformats.org/presentationml/2006/main">
   <p:cSld>
     <p:spTree>
@@ -4949,23 +6502,6 @@
           <a:bodyPr/>
           <a:lstStyle/>
           <a:p>
-            <a:pPr>
-              <a:buFont typeface="Wingdings" charset="0"/>
-              <a:buChar char="§"/>
-            </a:pPr>
-            <a:r>
-              <a:rPr lang="nl-NL" dirty="0">
-                <a:highlight>
-                  <a:srgbClr val="FFFF00"/>
-                </a:highlight>
-                <a:latin typeface="Verdana" charset="0"/>
-                <a:ea typeface="ＭＳ Ｐゴシック" charset="0"/>
-                <a:cs typeface="Verdana" charset="0"/>
-              </a:rPr>
-              <a:t>Hier een foto van de code Python om data te ontvangen en op te slaan</a:t>
-            </a:r>
-          </a:p>
-          <a:p>
             <a:pPr marL="0" indent="0">
               <a:buNone/>
             </a:pPr>
@@ -5150,6 +6686,36 @@
           </a:p>
         </p:txBody>
       </p:sp>
+      <p:pic>
+        <p:nvPicPr>
+          <p:cNvPr id="3" name="Afbeelding 2">
+            <a:extLst>
+              <a:ext uri="{FF2B5EF4-FFF2-40B4-BE49-F238E27FC236}">
+                <a16:creationId xmlns:a16="http://schemas.microsoft.com/office/drawing/2014/main" id="{D7CE48B8-4F41-45B4-B77C-F0A430C8CD79}"/>
+              </a:ext>
+            </a:extLst>
+          </p:cNvPr>
+          <p:cNvPicPr>
+            <a:picLocks noChangeAspect="1"/>
+          </p:cNvPicPr>
+          <p:nvPr/>
+        </p:nvPicPr>
+        <p:blipFill>
+          <a:blip r:embed="rId3"/>
+          <a:stretch>
+            <a:fillRect/>
+          </a:stretch>
+        </p:blipFill>
+        <p:spPr>
+          <a:xfrm>
+            <a:off x="185737" y="2133600"/>
+            <a:ext cx="8772525" cy="2590800"/>
+          </a:xfrm>
+          <a:prstGeom prst="rect">
+            <a:avLst/>
+          </a:prstGeom>
+        </p:spPr>
+      </p:pic>
     </p:spTree>
     <p:extLst>
       <p:ext uri="{BB962C8B-B14F-4D97-AF65-F5344CB8AC3E}">
@@ -5163,7 +6729,7 @@
 </p:sld>
 </file>
 
-<file path=ppt/slides/slide14.xml><?xml version="1.0" encoding="utf-8"?>
+<file path=ppt/slides/slide19.xml><?xml version="1.0" encoding="utf-8"?>
 <p:sld xmlns:a="http://schemas.openxmlformats.org/drawingml/2006/main" xmlns:r="http://schemas.openxmlformats.org/officeDocument/2006/relationships" xmlns:p="http://schemas.openxmlformats.org/presentationml/2006/main">
   <p:cSld>
     <p:spTree>
@@ -5182,62 +6748,272 @@
       </p:grpSpPr>
       <p:sp>
         <p:nvSpPr>
-          <p:cNvPr id="2" name="Titel 1">
+          <p:cNvPr id="6146" name="Tijdelijke aanduiding voor inhoud 1"/>
+          <p:cNvSpPr>
+            <a:spLocks noGrp="1"/>
+          </p:cNvSpPr>
+          <p:nvPr>
+            <p:ph idx="1"/>
+          </p:nvPr>
+        </p:nvSpPr>
+        <p:spPr>
+          <a:xfrm>
+            <a:off x="457200" y="908050"/>
+            <a:ext cx="8229600" cy="5218113"/>
+          </a:xfrm>
+        </p:spPr>
+        <p:txBody>
+          <a:bodyPr/>
+          <a:lstStyle/>
+          <a:p>
+            <a:pPr marL="0" indent="0">
+              <a:buNone/>
+            </a:pPr>
+            <a:endParaRPr lang="nl-NL" dirty="0">
+              <a:latin typeface="Verdana" charset="0"/>
+              <a:ea typeface="ＭＳ Ｐゴシック" charset="0"/>
+              <a:cs typeface="Verdana" charset="0"/>
+            </a:endParaRPr>
+          </a:p>
+          <a:p>
+            <a:pPr>
+              <a:buFont typeface="Wingdings" charset="0"/>
+              <a:buChar char="§"/>
+            </a:pPr>
+            <a:endParaRPr lang="nl-NL" dirty="0">
+              <a:latin typeface="Verdana" charset="0"/>
+              <a:ea typeface="ＭＳ Ｐゴシック" charset="0"/>
+              <a:cs typeface="Verdana" charset="0"/>
+            </a:endParaRPr>
+          </a:p>
+        </p:txBody>
+      </p:sp>
+      <p:sp>
+        <p:nvSpPr>
+          <p:cNvPr id="6147" name="Titel 2"/>
+          <p:cNvSpPr>
+            <a:spLocks noGrp="1"/>
+          </p:cNvSpPr>
+          <p:nvPr>
+            <p:ph type="title" idx="4294967295"/>
+          </p:nvPr>
+        </p:nvSpPr>
+        <p:spPr/>
+        <p:txBody>
+          <a:bodyPr/>
+          <a:lstStyle/>
+          <a:p>
+            <a:r>
+              <a:rPr lang="nl-NL" dirty="0" err="1">
+                <a:latin typeface="Calibri" charset="0"/>
+                <a:ea typeface="ＭＳ Ｐゴシック" charset="0"/>
+                <a:cs typeface="ＭＳ Ｐゴシック" charset="0"/>
+              </a:rPr>
+              <a:t>Receive</a:t>
+            </a:r>
+            <a:r>
+              <a:rPr lang="nl-NL" dirty="0">
+                <a:latin typeface="Calibri" charset="0"/>
+                <a:ea typeface="ＭＳ Ｐゴシック" charset="0"/>
+                <a:cs typeface="ＭＳ Ｐゴシック" charset="0"/>
+              </a:rPr>
+              <a:t> </a:t>
+            </a:r>
+            <a:r>
+              <a:rPr lang="nl-NL" dirty="0" err="1">
+                <a:latin typeface="Calibri" charset="0"/>
+                <a:ea typeface="ＭＳ Ｐゴシック" charset="0"/>
+                <a:cs typeface="ＭＳ Ｐゴシック" charset="0"/>
+              </a:rPr>
+              <a:t>and</a:t>
+            </a:r>
+            <a:r>
+              <a:rPr lang="nl-NL" dirty="0">
+                <a:latin typeface="Calibri" charset="0"/>
+                <a:ea typeface="ＭＳ Ｐゴシック" charset="0"/>
+                <a:cs typeface="ＭＳ Ｐゴシック" charset="0"/>
+              </a:rPr>
+              <a:t> store data </a:t>
+            </a:r>
+            <a:r>
+              <a:rPr lang="nl-NL" dirty="0" err="1">
+                <a:latin typeface="Calibri" charset="0"/>
+                <a:ea typeface="ＭＳ Ｐゴシック" charset="0"/>
+                <a:cs typeface="ＭＳ Ｐゴシック" charset="0"/>
+              </a:rPr>
+              <a:t>using</a:t>
+            </a:r>
+            <a:r>
+              <a:rPr lang="nl-NL" dirty="0">
+                <a:latin typeface="Calibri" charset="0"/>
+                <a:ea typeface="ＭＳ Ｐゴシック" charset="0"/>
+                <a:cs typeface="ＭＳ Ｐゴシック" charset="0"/>
+              </a:rPr>
+              <a:t> Python</a:t>
+            </a:r>
+          </a:p>
+        </p:txBody>
+      </p:sp>
+      <p:sp>
+        <p:nvSpPr>
+          <p:cNvPr id="4" name="Tekstvak 3">
             <a:extLst>
               <a:ext uri="{FF2B5EF4-FFF2-40B4-BE49-F238E27FC236}">
-                <a16:creationId xmlns:a16="http://schemas.microsoft.com/office/drawing/2014/main" id="{78441DC3-9459-4E6C-89AE-92BFA0F045AF}"/>
+                <a16:creationId xmlns:a16="http://schemas.microsoft.com/office/drawing/2014/main" id="{61E7F832-040D-4A4A-A2B7-3117DE05CD9D}"/>
               </a:ext>
             </a:extLst>
           </p:cNvPr>
-          <p:cNvSpPr>
-            <a:spLocks noGrp="1"/>
-          </p:cNvSpPr>
-          <p:nvPr>
-            <p:ph type="ctrTitle"/>
-          </p:nvPr>
-        </p:nvSpPr>
-        <p:spPr/>
-        <p:txBody>
-          <a:bodyPr/>
+          <p:cNvSpPr txBox="1"/>
+          <p:nvPr/>
+        </p:nvSpPr>
+        <p:spPr>
+          <a:xfrm>
+            <a:off x="0" y="6449724"/>
+            <a:ext cx="6153995" cy="292388"/>
+          </a:xfrm>
+          <a:prstGeom prst="rect">
+            <a:avLst/>
+          </a:prstGeom>
+          <a:noFill/>
+        </p:spPr>
+        <p:txBody>
+          <a:bodyPr wrap="square" rtlCol="0">
+            <a:spAutoFit/>
+          </a:bodyPr>
           <a:lstStyle/>
           <a:p>
             <a:r>
-              <a:rPr lang="nl-BE" dirty="0" err="1"/>
+              <a:rPr lang="nl-BE" sz="1300" dirty="0" err="1"/>
+              <a:t>Introduction</a:t>
+            </a:r>
+            <a:r>
+              <a:rPr lang="nl-BE" sz="1300" dirty="0"/>
+              <a:t> – Setup – </a:t>
+            </a:r>
+            <a:r>
+              <a:rPr lang="nl-BE" sz="1300" dirty="0" err="1">
+                <a:solidFill>
+                  <a:srgbClr val="F15A19"/>
+                </a:solidFill>
+              </a:rPr>
+              <a:t>Structure</a:t>
+            </a:r>
+            <a:r>
+              <a:rPr lang="nl-BE" sz="1300" dirty="0">
+                <a:solidFill>
+                  <a:srgbClr val="F15A19"/>
+                </a:solidFill>
+              </a:rPr>
+              <a:t> </a:t>
+            </a:r>
+            <a:r>
+              <a:rPr lang="nl-BE" sz="1300" dirty="0" err="1">
+                <a:solidFill>
+                  <a:srgbClr val="F15A19"/>
+                </a:solidFill>
+              </a:rPr>
+              <a:t>and</a:t>
+            </a:r>
+            <a:r>
+              <a:rPr lang="nl-BE" sz="1300" dirty="0">
+                <a:solidFill>
+                  <a:srgbClr val="F15A19"/>
+                </a:solidFill>
+              </a:rPr>
+              <a:t> </a:t>
+            </a:r>
+            <a:r>
+              <a:rPr lang="nl-BE" sz="1300" dirty="0" err="1">
+                <a:solidFill>
+                  <a:srgbClr val="F15A19"/>
+                </a:solidFill>
+              </a:rPr>
+              <a:t>components</a:t>
+            </a:r>
+            <a:r>
+              <a:rPr lang="nl-BE" sz="1300" dirty="0">
+                <a:solidFill>
+                  <a:srgbClr val="F15A19"/>
+                </a:solidFill>
+              </a:rPr>
+              <a:t> </a:t>
+            </a:r>
+            <a:r>
+              <a:rPr lang="nl-BE" sz="1300" dirty="0"/>
+              <a:t>– </a:t>
+            </a:r>
+            <a:r>
+              <a:rPr lang="nl-BE" sz="1300" dirty="0" err="1"/>
               <a:t>Demonstration</a:t>
             </a:r>
-            <a:endParaRPr lang="nl-BE" dirty="0"/>
-          </a:p>
-        </p:txBody>
-      </p:sp>
-      <p:sp>
-        <p:nvSpPr>
-          <p:cNvPr id="3" name="Ondertitel 2">
+            <a:endParaRPr lang="nl-BE" sz="1300" dirty="0"/>
+          </a:p>
+        </p:txBody>
+      </p:sp>
+      <p:pic>
+        <p:nvPicPr>
+          <p:cNvPr id="3" name="Afbeelding 2">
             <a:extLst>
               <a:ext uri="{FF2B5EF4-FFF2-40B4-BE49-F238E27FC236}">
-                <a16:creationId xmlns:a16="http://schemas.microsoft.com/office/drawing/2014/main" id="{EBF50670-B0B1-41D4-AB56-5065E00F9288}"/>
+                <a16:creationId xmlns:a16="http://schemas.microsoft.com/office/drawing/2014/main" id="{2FA4BF36-C0B3-40EE-9CD6-509AE956A044}"/>
               </a:ext>
             </a:extLst>
           </p:cNvPr>
-          <p:cNvSpPr>
-            <a:spLocks noGrp="1"/>
-          </p:cNvSpPr>
-          <p:nvPr>
-            <p:ph type="subTitle" idx="1"/>
-          </p:nvPr>
-        </p:nvSpPr>
-        <p:spPr/>
-        <p:txBody>
-          <a:bodyPr/>
-          <a:lstStyle/>
-          <a:p>
-            <a:endParaRPr lang="nl-BE"/>
-          </a:p>
-        </p:txBody>
-      </p:sp>
+          <p:cNvPicPr>
+            <a:picLocks noChangeAspect="1"/>
+          </p:cNvPicPr>
+          <p:nvPr/>
+        </p:nvPicPr>
+        <p:blipFill>
+          <a:blip r:embed="rId3"/>
+          <a:stretch>
+            <a:fillRect/>
+          </a:stretch>
+        </p:blipFill>
+        <p:spPr>
+          <a:xfrm>
+            <a:off x="19875" y="3057877"/>
+            <a:ext cx="4743450" cy="1438275"/>
+          </a:xfrm>
+          <a:prstGeom prst="rect">
+            <a:avLst/>
+          </a:prstGeom>
+        </p:spPr>
+      </p:pic>
+      <p:pic>
+        <p:nvPicPr>
+          <p:cNvPr id="5" name="Afbeelding 4">
+            <a:extLst>
+              <a:ext uri="{FF2B5EF4-FFF2-40B4-BE49-F238E27FC236}">
+                <a16:creationId xmlns:a16="http://schemas.microsoft.com/office/drawing/2014/main" id="{ACBFF8E1-E360-48FB-B7D3-ED19B47FCCB6}"/>
+              </a:ext>
+            </a:extLst>
+          </p:cNvPr>
+          <p:cNvPicPr>
+            <a:picLocks noChangeAspect="1"/>
+          </p:cNvPicPr>
+          <p:nvPr/>
+        </p:nvPicPr>
+        <p:blipFill>
+          <a:blip r:embed="rId4"/>
+          <a:stretch>
+            <a:fillRect/>
+          </a:stretch>
+        </p:blipFill>
+        <p:spPr>
+          <a:xfrm>
+            <a:off x="11113" y="2717494"/>
+            <a:ext cx="9144000" cy="377072"/>
+          </a:xfrm>
+          <a:prstGeom prst="rect">
+            <a:avLst/>
+          </a:prstGeom>
+        </p:spPr>
+      </p:pic>
     </p:spTree>
     <p:extLst>
       <p:ext uri="{BB962C8B-B14F-4D97-AF65-F5344CB8AC3E}">
-        <p14:creationId xmlns:p14="http://schemas.microsoft.com/office/powerpoint/2010/main" val="4243918917"/>
+        <p14:creationId xmlns:p14="http://schemas.microsoft.com/office/powerpoint/2010/main" val="1480704585"/>
       </p:ext>
     </p:extLst>
   </p:cSld>
@@ -5587,6 +7363,90 @@
         </p:txBody>
       </p:sp>
     </p:spTree>
+  </p:cSld>
+  <p:clrMapOvr>
+    <a:masterClrMapping/>
+  </p:clrMapOvr>
+</p:sld>
+</file>
+
+<file path=ppt/slides/slide20.xml><?xml version="1.0" encoding="utf-8"?>
+<p:sld xmlns:a="http://schemas.openxmlformats.org/drawingml/2006/main" xmlns:r="http://schemas.openxmlformats.org/officeDocument/2006/relationships" xmlns:p="http://schemas.openxmlformats.org/presentationml/2006/main">
+  <p:cSld>
+    <p:spTree>
+      <p:nvGrpSpPr>
+        <p:cNvPr id="1" name=""/>
+        <p:cNvGrpSpPr/>
+        <p:nvPr/>
+      </p:nvGrpSpPr>
+      <p:grpSpPr>
+        <a:xfrm>
+          <a:off x="0" y="0"/>
+          <a:ext cx="0" cy="0"/>
+          <a:chOff x="0" y="0"/>
+          <a:chExt cx="0" cy="0"/>
+        </a:xfrm>
+      </p:grpSpPr>
+      <p:sp>
+        <p:nvSpPr>
+          <p:cNvPr id="2" name="Titel 1">
+            <a:extLst>
+              <a:ext uri="{FF2B5EF4-FFF2-40B4-BE49-F238E27FC236}">
+                <a16:creationId xmlns:a16="http://schemas.microsoft.com/office/drawing/2014/main" id="{78441DC3-9459-4E6C-89AE-92BFA0F045AF}"/>
+              </a:ext>
+            </a:extLst>
+          </p:cNvPr>
+          <p:cNvSpPr>
+            <a:spLocks noGrp="1"/>
+          </p:cNvSpPr>
+          <p:nvPr>
+            <p:ph type="ctrTitle"/>
+          </p:nvPr>
+        </p:nvSpPr>
+        <p:spPr/>
+        <p:txBody>
+          <a:bodyPr/>
+          <a:lstStyle/>
+          <a:p>
+            <a:r>
+              <a:rPr lang="nl-BE" dirty="0" err="1"/>
+              <a:t>Demonstration</a:t>
+            </a:r>
+            <a:endParaRPr lang="nl-BE" dirty="0"/>
+          </a:p>
+        </p:txBody>
+      </p:sp>
+      <p:sp>
+        <p:nvSpPr>
+          <p:cNvPr id="3" name="Ondertitel 2">
+            <a:extLst>
+              <a:ext uri="{FF2B5EF4-FFF2-40B4-BE49-F238E27FC236}">
+                <a16:creationId xmlns:a16="http://schemas.microsoft.com/office/drawing/2014/main" id="{EBF50670-B0B1-41D4-AB56-5065E00F9288}"/>
+              </a:ext>
+            </a:extLst>
+          </p:cNvPr>
+          <p:cNvSpPr>
+            <a:spLocks noGrp="1"/>
+          </p:cNvSpPr>
+          <p:nvPr>
+            <p:ph type="subTitle" idx="1"/>
+          </p:nvPr>
+        </p:nvSpPr>
+        <p:spPr/>
+        <p:txBody>
+          <a:bodyPr/>
+          <a:lstStyle/>
+          <a:p>
+            <a:endParaRPr lang="nl-BE"/>
+          </a:p>
+        </p:txBody>
+      </p:sp>
+    </p:spTree>
+    <p:extLst>
+      <p:ext uri="{BB962C8B-B14F-4D97-AF65-F5344CB8AC3E}">
+        <p14:creationId xmlns:p14="http://schemas.microsoft.com/office/powerpoint/2010/main" val="4243918917"/>
+      </p:ext>
+    </p:extLst>
   </p:cSld>
   <p:clrMapOvr>
     <a:masterClrMapping/>
@@ -7522,67 +9382,74 @@
           <a:chExt cx="0" cy="0"/>
         </a:xfrm>
       </p:grpSpPr>
-      <p:sp>
-        <p:nvSpPr>
-          <p:cNvPr id="6146" name="Tijdelijke aanduiding voor inhoud 1"/>
-          <p:cNvSpPr>
-            <a:spLocks noGrp="1"/>
-          </p:cNvSpPr>
+      <p:pic>
+        <p:nvPicPr>
+          <p:cNvPr id="3" name="Tijdelijke aanduiding voor inhoud 2">
+            <a:extLst>
+              <a:ext uri="{FF2B5EF4-FFF2-40B4-BE49-F238E27FC236}">
+                <a16:creationId xmlns:a16="http://schemas.microsoft.com/office/drawing/2014/main" id="{1D34C3F3-27B5-4665-A094-57C492F6DD6D}"/>
+              </a:ext>
+            </a:extLst>
+          </p:cNvPr>
+          <p:cNvPicPr>
+            <a:picLocks noGrp="1" noChangeAspect="1"/>
+          </p:cNvPicPr>
           <p:nvPr>
             <p:ph idx="1"/>
           </p:nvPr>
-        </p:nvSpPr>
+        </p:nvPicPr>
+        <p:blipFill>
+          <a:blip r:embed="rId3"/>
+          <a:stretch>
+            <a:fillRect/>
+          </a:stretch>
+        </p:blipFill>
         <p:spPr>
           <a:xfrm>
-            <a:off x="457200" y="908050"/>
-            <a:ext cx="8229600" cy="5218113"/>
+            <a:off x="1347787" y="1226344"/>
+            <a:ext cx="6448425" cy="4581525"/>
           </a:xfrm>
+          <a:prstGeom prst="rect">
+            <a:avLst/>
+          </a:prstGeom>
         </p:spPr>
+      </p:pic>
+      <p:sp>
+        <p:nvSpPr>
+          <p:cNvPr id="6147" name="Titel 2"/>
+          <p:cNvSpPr>
+            <a:spLocks noGrp="1"/>
+          </p:cNvSpPr>
+          <p:nvPr>
+            <p:ph type="title" idx="4294967295"/>
+          </p:nvPr>
+        </p:nvSpPr>
+        <p:spPr/>
         <p:txBody>
           <a:bodyPr/>
           <a:lstStyle/>
           <a:p>
-            <a:pPr>
-              <a:buFont typeface="Wingdings" charset="0"/>
-              <a:buChar char="§"/>
-            </a:pPr>
-            <a:r>
-              <a:rPr lang="nl-NL" dirty="0">
-                <a:highlight>
-                  <a:srgbClr val="FFFF00"/>
-                </a:highlight>
-                <a:latin typeface="Verdana" charset="0"/>
-                <a:ea typeface="ＭＳ Ｐゴシック" charset="0"/>
-                <a:cs typeface="Verdana" charset="0"/>
-              </a:rPr>
-              <a:t>Hier foto van code MQTT protocol ESP32 en inlezen sensoren</a:t>
-            </a:r>
-          </a:p>
-        </p:txBody>
-      </p:sp>
-      <p:sp>
-        <p:nvSpPr>
-          <p:cNvPr id="6147" name="Titel 2"/>
-          <p:cNvSpPr>
-            <a:spLocks noGrp="1"/>
-          </p:cNvSpPr>
-          <p:nvPr>
-            <p:ph type="title" idx="4294967295"/>
-          </p:nvPr>
-        </p:nvSpPr>
-        <p:spPr/>
-        <p:txBody>
-          <a:bodyPr/>
-          <a:lstStyle/>
-          <a:p>
             <a:r>
               <a:rPr lang="nl-NL" dirty="0">
                 <a:latin typeface="Calibri" charset="0"/>
                 <a:ea typeface="ＭＳ Ｐゴシック" charset="0"/>
                 <a:cs typeface="ＭＳ Ｐゴシック" charset="0"/>
               </a:rPr>
-              <a:t>MQTT protocol</a:t>
-            </a:r>
+              <a:t>MQTT protocol: Setup </a:t>
+            </a:r>
+            <a:r>
+              <a:rPr lang="nl-NL" dirty="0" err="1">
+                <a:latin typeface="Calibri" charset="0"/>
+                <a:ea typeface="ＭＳ Ｐゴシック" charset="0"/>
+                <a:cs typeface="ＭＳ Ｐゴシック" charset="0"/>
+              </a:rPr>
+              <a:t>function</a:t>
+            </a:r>
+            <a:endParaRPr lang="nl-NL" dirty="0">
+              <a:latin typeface="Calibri" charset="0"/>
+              <a:ea typeface="ＭＳ Ｐゴシック" charset="0"/>
+              <a:cs typeface="ＭＳ Ｐゴシック" charset="0"/>
+            </a:endParaRPr>
           </a:p>
         </p:txBody>
       </p:sp>
